--- a/doc/Recycle model results 301221.pptx
+++ b/doc/Recycle model results 301221.pptx
@@ -21,9 +21,10 @@
     <p:sldId id="271" r:id="rId18"/>
     <p:sldId id="272" r:id="rId19"/>
     <p:sldId id="274" r:id="rId20"/>
-    <p:sldId id="276" r:id="rId21"/>
-    <p:sldId id="275" r:id="rId22"/>
-    <p:sldId id="267" r:id="rId23"/>
+    <p:sldId id="277" r:id="rId21"/>
+    <p:sldId id="276" r:id="rId22"/>
+    <p:sldId id="275" r:id="rId23"/>
+    <p:sldId id="267" r:id="rId24"/>
   </p:sldIdLst>
   <p:sldSz cx="12192000" cy="6858000"/>
   <p:notesSz cx="6858000" cy="9144000"/>
@@ -122,6 +123,11 @@
       </a:defRPr>
     </a:lvl9pPr>
   </p:defaultTextStyle>
+  <p:extLst>
+    <p:ext uri="{EFAFB233-063F-42B5-8137-9DF3F51BA10A}">
+      <p15:sldGuideLst xmlns:p15="http://schemas.microsoft.com/office/powerpoint/2012/main"/>
+    </p:ext>
+  </p:extLst>
 </p:presentation>
 </file>
 
@@ -167,10 +173,9 @@
           </a:lstStyle>
           <a:p>
             <a:r>
-              <a:rPr lang="en-US" smtClean="0"/>
+              <a:rPr lang="en-US"/>
               <a:t>Click to edit Master title style</a:t>
             </a:r>
-            <a:endParaRPr lang="en-US"/>
           </a:p>
         </p:txBody>
       </p:sp>
@@ -232,10 +237,9 @@
           </a:lstStyle>
           <a:p>
             <a:r>
-              <a:rPr lang="en-US" smtClean="0"/>
+              <a:rPr lang="en-US"/>
               <a:t>Click to edit Master subtitle style</a:t>
             </a:r>
-            <a:endParaRPr lang="en-US"/>
           </a:p>
         </p:txBody>
       </p:sp>
@@ -256,7 +260,7 @@
           <a:p>
             <a:fld id="{3D9317D7-3D92-413B-B84A-EC4DFC1A5638}" type="datetimeFigureOut">
               <a:rPr lang="en-US" smtClean="0"/>
-              <a:t>12/30/2021</a:t>
+              <a:t>1/13/2022</a:t>
             </a:fld>
             <a:endParaRPr lang="en-US"/>
           </a:p>
@@ -350,10 +354,9 @@
           <a:lstStyle/>
           <a:p>
             <a:r>
-              <a:rPr lang="en-US" smtClean="0"/>
+              <a:rPr lang="en-US"/>
               <a:t>Click to edit Master title style</a:t>
             </a:r>
-            <a:endParaRPr lang="en-US"/>
           </a:p>
         </p:txBody>
       </p:sp>
@@ -374,38 +377,37 @@
           <a:p>
             <a:pPr lvl="0"/>
             <a:r>
-              <a:rPr lang="en-US" smtClean="0"/>
+              <a:rPr lang="en-US"/>
               <a:t>Edit Master text styles</a:t>
             </a:r>
           </a:p>
           <a:p>
             <a:pPr lvl="1"/>
             <a:r>
-              <a:rPr lang="en-US" smtClean="0"/>
+              <a:rPr lang="en-US"/>
               <a:t>Second level</a:t>
             </a:r>
           </a:p>
           <a:p>
             <a:pPr lvl="2"/>
             <a:r>
-              <a:rPr lang="en-US" smtClean="0"/>
+              <a:rPr lang="en-US"/>
               <a:t>Third level</a:t>
             </a:r>
           </a:p>
           <a:p>
             <a:pPr lvl="3"/>
             <a:r>
-              <a:rPr lang="en-US" smtClean="0"/>
+              <a:rPr lang="en-US"/>
               <a:t>Fourth level</a:t>
             </a:r>
           </a:p>
           <a:p>
             <a:pPr lvl="4"/>
             <a:r>
-              <a:rPr lang="en-US" smtClean="0"/>
+              <a:rPr lang="en-US"/>
               <a:t>Fifth level</a:t>
             </a:r>
-            <a:endParaRPr lang="en-US"/>
           </a:p>
         </p:txBody>
       </p:sp>
@@ -426,7 +428,7 @@
           <a:p>
             <a:fld id="{3D9317D7-3D92-413B-B84A-EC4DFC1A5638}" type="datetimeFigureOut">
               <a:rPr lang="en-US" smtClean="0"/>
-              <a:t>12/30/2021</a:t>
+              <a:t>1/13/2022</a:t>
             </a:fld>
             <a:endParaRPr lang="en-US"/>
           </a:p>
@@ -525,10 +527,9 @@
           <a:lstStyle/>
           <a:p>
             <a:r>
-              <a:rPr lang="en-US" smtClean="0"/>
+              <a:rPr lang="en-US"/>
               <a:t>Click to edit Master title style</a:t>
             </a:r>
-            <a:endParaRPr lang="en-US"/>
           </a:p>
         </p:txBody>
       </p:sp>
@@ -554,38 +555,37 @@
           <a:p>
             <a:pPr lvl="0"/>
             <a:r>
-              <a:rPr lang="en-US" smtClean="0"/>
+              <a:rPr lang="en-US"/>
               <a:t>Edit Master text styles</a:t>
             </a:r>
           </a:p>
           <a:p>
             <a:pPr lvl="1"/>
             <a:r>
-              <a:rPr lang="en-US" smtClean="0"/>
+              <a:rPr lang="en-US"/>
               <a:t>Second level</a:t>
             </a:r>
           </a:p>
           <a:p>
             <a:pPr lvl="2"/>
             <a:r>
-              <a:rPr lang="en-US" smtClean="0"/>
+              <a:rPr lang="en-US"/>
               <a:t>Third level</a:t>
             </a:r>
           </a:p>
           <a:p>
             <a:pPr lvl="3"/>
             <a:r>
-              <a:rPr lang="en-US" smtClean="0"/>
+              <a:rPr lang="en-US"/>
               <a:t>Fourth level</a:t>
             </a:r>
           </a:p>
           <a:p>
             <a:pPr lvl="4"/>
             <a:r>
-              <a:rPr lang="en-US" smtClean="0"/>
+              <a:rPr lang="en-US"/>
               <a:t>Fifth level</a:t>
             </a:r>
-            <a:endParaRPr lang="en-US"/>
           </a:p>
         </p:txBody>
       </p:sp>
@@ -606,7 +606,7 @@
           <a:p>
             <a:fld id="{3D9317D7-3D92-413B-B84A-EC4DFC1A5638}" type="datetimeFigureOut">
               <a:rPr lang="en-US" smtClean="0"/>
-              <a:t>12/30/2021</a:t>
+              <a:t>1/13/2022</a:t>
             </a:fld>
             <a:endParaRPr lang="en-US"/>
           </a:p>
@@ -700,10 +700,9 @@
           <a:lstStyle/>
           <a:p>
             <a:r>
-              <a:rPr lang="en-US" smtClean="0"/>
+              <a:rPr lang="en-US"/>
               <a:t>Click to edit Master title style</a:t>
             </a:r>
-            <a:endParaRPr lang="en-US"/>
           </a:p>
         </p:txBody>
       </p:sp>
@@ -724,38 +723,37 @@
           <a:p>
             <a:pPr lvl="0"/>
             <a:r>
-              <a:rPr lang="en-US" smtClean="0"/>
+              <a:rPr lang="en-US"/>
               <a:t>Edit Master text styles</a:t>
             </a:r>
           </a:p>
           <a:p>
             <a:pPr lvl="1"/>
             <a:r>
-              <a:rPr lang="en-US" smtClean="0"/>
+              <a:rPr lang="en-US"/>
               <a:t>Second level</a:t>
             </a:r>
           </a:p>
           <a:p>
             <a:pPr lvl="2"/>
             <a:r>
-              <a:rPr lang="en-US" smtClean="0"/>
+              <a:rPr lang="en-US"/>
               <a:t>Third level</a:t>
             </a:r>
           </a:p>
           <a:p>
             <a:pPr lvl="3"/>
             <a:r>
-              <a:rPr lang="en-US" smtClean="0"/>
+              <a:rPr lang="en-US"/>
               <a:t>Fourth level</a:t>
             </a:r>
           </a:p>
           <a:p>
             <a:pPr lvl="4"/>
             <a:r>
-              <a:rPr lang="en-US" smtClean="0"/>
+              <a:rPr lang="en-US"/>
               <a:t>Fifth level</a:t>
             </a:r>
-            <a:endParaRPr lang="en-US"/>
           </a:p>
         </p:txBody>
       </p:sp>
@@ -776,7 +774,7 @@
           <a:p>
             <a:fld id="{3D9317D7-3D92-413B-B84A-EC4DFC1A5638}" type="datetimeFigureOut">
               <a:rPr lang="en-US" smtClean="0"/>
-              <a:t>12/30/2021</a:t>
+              <a:t>1/13/2022</a:t>
             </a:fld>
             <a:endParaRPr lang="en-US"/>
           </a:p>
@@ -879,10 +877,9 @@
           </a:lstStyle>
           <a:p>
             <a:r>
-              <a:rPr lang="en-US" smtClean="0"/>
+              <a:rPr lang="en-US"/>
               <a:t>Click to edit Master title style</a:t>
             </a:r>
-            <a:endParaRPr lang="en-US"/>
           </a:p>
         </p:txBody>
       </p:sp>
@@ -999,7 +996,7 @@
           <a:p>
             <a:pPr lvl="0"/>
             <a:r>
-              <a:rPr lang="en-US" smtClean="0"/>
+              <a:rPr lang="en-US"/>
               <a:t>Edit Master text styles</a:t>
             </a:r>
           </a:p>
@@ -1022,7 +1019,7 @@
           <a:p>
             <a:fld id="{3D9317D7-3D92-413B-B84A-EC4DFC1A5638}" type="datetimeFigureOut">
               <a:rPr lang="en-US" smtClean="0"/>
-              <a:t>12/30/2021</a:t>
+              <a:t>1/13/2022</a:t>
             </a:fld>
             <a:endParaRPr lang="en-US"/>
           </a:p>
@@ -1116,10 +1113,9 @@
           <a:lstStyle/>
           <a:p>
             <a:r>
-              <a:rPr lang="en-US" smtClean="0"/>
+              <a:rPr lang="en-US"/>
               <a:t>Click to edit Master title style</a:t>
             </a:r>
-            <a:endParaRPr lang="en-US"/>
           </a:p>
         </p:txBody>
       </p:sp>
@@ -1145,38 +1141,37 @@
           <a:p>
             <a:pPr lvl="0"/>
             <a:r>
-              <a:rPr lang="en-US" smtClean="0"/>
+              <a:rPr lang="en-US"/>
               <a:t>Edit Master text styles</a:t>
             </a:r>
           </a:p>
           <a:p>
             <a:pPr lvl="1"/>
             <a:r>
-              <a:rPr lang="en-US" smtClean="0"/>
+              <a:rPr lang="en-US"/>
               <a:t>Second level</a:t>
             </a:r>
           </a:p>
           <a:p>
             <a:pPr lvl="2"/>
             <a:r>
-              <a:rPr lang="en-US" smtClean="0"/>
+              <a:rPr lang="en-US"/>
               <a:t>Third level</a:t>
             </a:r>
           </a:p>
           <a:p>
             <a:pPr lvl="3"/>
             <a:r>
-              <a:rPr lang="en-US" smtClean="0"/>
+              <a:rPr lang="en-US"/>
               <a:t>Fourth level</a:t>
             </a:r>
           </a:p>
           <a:p>
             <a:pPr lvl="4"/>
             <a:r>
-              <a:rPr lang="en-US" smtClean="0"/>
+              <a:rPr lang="en-US"/>
               <a:t>Fifth level</a:t>
             </a:r>
-            <a:endParaRPr lang="en-US"/>
           </a:p>
         </p:txBody>
       </p:sp>
@@ -1202,38 +1197,37 @@
           <a:p>
             <a:pPr lvl="0"/>
             <a:r>
-              <a:rPr lang="en-US" smtClean="0"/>
+              <a:rPr lang="en-US"/>
               <a:t>Edit Master text styles</a:t>
             </a:r>
           </a:p>
           <a:p>
             <a:pPr lvl="1"/>
             <a:r>
-              <a:rPr lang="en-US" smtClean="0"/>
+              <a:rPr lang="en-US"/>
               <a:t>Second level</a:t>
             </a:r>
           </a:p>
           <a:p>
             <a:pPr lvl="2"/>
             <a:r>
-              <a:rPr lang="en-US" smtClean="0"/>
+              <a:rPr lang="en-US"/>
               <a:t>Third level</a:t>
             </a:r>
           </a:p>
           <a:p>
             <a:pPr lvl="3"/>
             <a:r>
-              <a:rPr lang="en-US" smtClean="0"/>
+              <a:rPr lang="en-US"/>
               <a:t>Fourth level</a:t>
             </a:r>
           </a:p>
           <a:p>
             <a:pPr lvl="4"/>
             <a:r>
-              <a:rPr lang="en-US" smtClean="0"/>
+              <a:rPr lang="en-US"/>
               <a:t>Fifth level</a:t>
             </a:r>
-            <a:endParaRPr lang="en-US"/>
           </a:p>
         </p:txBody>
       </p:sp>
@@ -1254,7 +1248,7 @@
           <a:p>
             <a:fld id="{3D9317D7-3D92-413B-B84A-EC4DFC1A5638}" type="datetimeFigureOut">
               <a:rPr lang="en-US" smtClean="0"/>
-              <a:t>12/30/2021</a:t>
+              <a:t>1/13/2022</a:t>
             </a:fld>
             <a:endParaRPr lang="en-US"/>
           </a:p>
@@ -1353,10 +1347,9 @@
           <a:lstStyle/>
           <a:p>
             <a:r>
-              <a:rPr lang="en-US" smtClean="0"/>
+              <a:rPr lang="en-US"/>
               <a:t>Click to edit Master title style</a:t>
             </a:r>
-            <a:endParaRPr lang="en-US"/>
           </a:p>
         </p:txBody>
       </p:sp>
@@ -1419,7 +1412,7 @@
           <a:p>
             <a:pPr lvl="0"/>
             <a:r>
-              <a:rPr lang="en-US" smtClean="0"/>
+              <a:rPr lang="en-US"/>
               <a:t>Edit Master text styles</a:t>
             </a:r>
           </a:p>
@@ -1447,38 +1440,37 @@
           <a:p>
             <a:pPr lvl="0"/>
             <a:r>
-              <a:rPr lang="en-US" smtClean="0"/>
+              <a:rPr lang="en-US"/>
               <a:t>Edit Master text styles</a:t>
             </a:r>
           </a:p>
           <a:p>
             <a:pPr lvl="1"/>
             <a:r>
-              <a:rPr lang="en-US" smtClean="0"/>
+              <a:rPr lang="en-US"/>
               <a:t>Second level</a:t>
             </a:r>
           </a:p>
           <a:p>
             <a:pPr lvl="2"/>
             <a:r>
-              <a:rPr lang="en-US" smtClean="0"/>
+              <a:rPr lang="en-US"/>
               <a:t>Third level</a:t>
             </a:r>
           </a:p>
           <a:p>
             <a:pPr lvl="3"/>
             <a:r>
-              <a:rPr lang="en-US" smtClean="0"/>
+              <a:rPr lang="en-US"/>
               <a:t>Fourth level</a:t>
             </a:r>
           </a:p>
           <a:p>
             <a:pPr lvl="4"/>
             <a:r>
-              <a:rPr lang="en-US" smtClean="0"/>
+              <a:rPr lang="en-US"/>
               <a:t>Fifth level</a:t>
             </a:r>
-            <a:endParaRPr lang="en-US"/>
           </a:p>
         </p:txBody>
       </p:sp>
@@ -1541,7 +1533,7 @@
           <a:p>
             <a:pPr lvl="0"/>
             <a:r>
-              <a:rPr lang="en-US" smtClean="0"/>
+              <a:rPr lang="en-US"/>
               <a:t>Edit Master text styles</a:t>
             </a:r>
           </a:p>
@@ -1569,38 +1561,37 @@
           <a:p>
             <a:pPr lvl="0"/>
             <a:r>
-              <a:rPr lang="en-US" smtClean="0"/>
+              <a:rPr lang="en-US"/>
               <a:t>Edit Master text styles</a:t>
             </a:r>
           </a:p>
           <a:p>
             <a:pPr lvl="1"/>
             <a:r>
-              <a:rPr lang="en-US" smtClean="0"/>
+              <a:rPr lang="en-US"/>
               <a:t>Second level</a:t>
             </a:r>
           </a:p>
           <a:p>
             <a:pPr lvl="2"/>
             <a:r>
-              <a:rPr lang="en-US" smtClean="0"/>
+              <a:rPr lang="en-US"/>
               <a:t>Third level</a:t>
             </a:r>
           </a:p>
           <a:p>
             <a:pPr lvl="3"/>
             <a:r>
-              <a:rPr lang="en-US" smtClean="0"/>
+              <a:rPr lang="en-US"/>
               <a:t>Fourth level</a:t>
             </a:r>
           </a:p>
           <a:p>
             <a:pPr lvl="4"/>
             <a:r>
-              <a:rPr lang="en-US" smtClean="0"/>
+              <a:rPr lang="en-US"/>
               <a:t>Fifth level</a:t>
             </a:r>
-            <a:endParaRPr lang="en-US"/>
           </a:p>
         </p:txBody>
       </p:sp>
@@ -1621,7 +1612,7 @@
           <a:p>
             <a:fld id="{3D9317D7-3D92-413B-B84A-EC4DFC1A5638}" type="datetimeFigureOut">
               <a:rPr lang="en-US" smtClean="0"/>
-              <a:t>12/30/2021</a:t>
+              <a:t>1/13/2022</a:t>
             </a:fld>
             <a:endParaRPr lang="en-US"/>
           </a:p>
@@ -1715,10 +1706,9 @@
           <a:lstStyle/>
           <a:p>
             <a:r>
-              <a:rPr lang="en-US" smtClean="0"/>
+              <a:rPr lang="en-US"/>
               <a:t>Click to edit Master title style</a:t>
             </a:r>
-            <a:endParaRPr lang="en-US"/>
           </a:p>
         </p:txBody>
       </p:sp>
@@ -1739,7 +1729,7 @@
           <a:p>
             <a:fld id="{3D9317D7-3D92-413B-B84A-EC4DFC1A5638}" type="datetimeFigureOut">
               <a:rPr lang="en-US" smtClean="0"/>
-              <a:t>12/30/2021</a:t>
+              <a:t>1/13/2022</a:t>
             </a:fld>
             <a:endParaRPr lang="en-US"/>
           </a:p>
@@ -1834,7 +1824,7 @@
           <a:p>
             <a:fld id="{3D9317D7-3D92-413B-B84A-EC4DFC1A5638}" type="datetimeFigureOut">
               <a:rPr lang="en-US" smtClean="0"/>
-              <a:t>12/30/2021</a:t>
+              <a:t>1/13/2022</a:t>
             </a:fld>
             <a:endParaRPr lang="en-US"/>
           </a:p>
@@ -1937,10 +1927,9 @@
           </a:lstStyle>
           <a:p>
             <a:r>
-              <a:rPr lang="en-US" smtClean="0"/>
+              <a:rPr lang="en-US"/>
               <a:t>Click to edit Master title style</a:t>
             </a:r>
-            <a:endParaRPr lang="en-US"/>
           </a:p>
         </p:txBody>
       </p:sp>
@@ -1994,38 +1983,37 @@
           <a:p>
             <a:pPr lvl="0"/>
             <a:r>
-              <a:rPr lang="en-US" smtClean="0"/>
+              <a:rPr lang="en-US"/>
               <a:t>Edit Master text styles</a:t>
             </a:r>
           </a:p>
           <a:p>
             <a:pPr lvl="1"/>
             <a:r>
-              <a:rPr lang="en-US" smtClean="0"/>
+              <a:rPr lang="en-US"/>
               <a:t>Second level</a:t>
             </a:r>
           </a:p>
           <a:p>
             <a:pPr lvl="2"/>
             <a:r>
-              <a:rPr lang="en-US" smtClean="0"/>
+              <a:rPr lang="en-US"/>
               <a:t>Third level</a:t>
             </a:r>
           </a:p>
           <a:p>
             <a:pPr lvl="3"/>
             <a:r>
-              <a:rPr lang="en-US" smtClean="0"/>
+              <a:rPr lang="en-US"/>
               <a:t>Fourth level</a:t>
             </a:r>
           </a:p>
           <a:p>
             <a:pPr lvl="4"/>
             <a:r>
-              <a:rPr lang="en-US" smtClean="0"/>
+              <a:rPr lang="en-US"/>
               <a:t>Fifth level</a:t>
             </a:r>
-            <a:endParaRPr lang="en-US"/>
           </a:p>
         </p:txBody>
       </p:sp>
@@ -2088,7 +2076,7 @@
           <a:p>
             <a:pPr lvl="0"/>
             <a:r>
-              <a:rPr lang="en-US" smtClean="0"/>
+              <a:rPr lang="en-US"/>
               <a:t>Edit Master text styles</a:t>
             </a:r>
           </a:p>
@@ -2111,7 +2099,7 @@
           <a:p>
             <a:fld id="{3D9317D7-3D92-413B-B84A-EC4DFC1A5638}" type="datetimeFigureOut">
               <a:rPr lang="en-US" smtClean="0"/>
-              <a:t>12/30/2021</a:t>
+              <a:t>1/13/2022</a:t>
             </a:fld>
             <a:endParaRPr lang="en-US"/>
           </a:p>
@@ -2214,10 +2202,9 @@
           </a:lstStyle>
           <a:p>
             <a:r>
-              <a:rPr lang="en-US" smtClean="0"/>
+              <a:rPr lang="en-US"/>
               <a:t>Click to edit Master title style</a:t>
             </a:r>
-            <a:endParaRPr lang="en-US"/>
           </a:p>
         </p:txBody>
       </p:sp>
@@ -2341,7 +2328,7 @@
           <a:p>
             <a:pPr lvl="0"/>
             <a:r>
-              <a:rPr lang="en-US" smtClean="0"/>
+              <a:rPr lang="en-US"/>
               <a:t>Edit Master text styles</a:t>
             </a:r>
           </a:p>
@@ -2364,7 +2351,7 @@
           <a:p>
             <a:fld id="{3D9317D7-3D92-413B-B84A-EC4DFC1A5638}" type="datetimeFigureOut">
               <a:rPr lang="en-US" smtClean="0"/>
-              <a:t>12/30/2021</a:t>
+              <a:t>1/13/2022</a:t>
             </a:fld>
             <a:endParaRPr lang="en-US"/>
           </a:p>
@@ -2473,10 +2460,9 @@
           <a:lstStyle/>
           <a:p>
             <a:r>
-              <a:rPr lang="en-US" smtClean="0"/>
+              <a:rPr lang="en-US"/>
               <a:t>Click to edit Master title style</a:t>
             </a:r>
-            <a:endParaRPr lang="en-US"/>
           </a:p>
         </p:txBody>
       </p:sp>
@@ -2507,38 +2493,37 @@
           <a:p>
             <a:pPr lvl="0"/>
             <a:r>
-              <a:rPr lang="en-US" smtClean="0"/>
+              <a:rPr lang="en-US"/>
               <a:t>Edit Master text styles</a:t>
             </a:r>
           </a:p>
           <a:p>
             <a:pPr lvl="1"/>
             <a:r>
-              <a:rPr lang="en-US" smtClean="0"/>
+              <a:rPr lang="en-US"/>
               <a:t>Second level</a:t>
             </a:r>
           </a:p>
           <a:p>
             <a:pPr lvl="2"/>
             <a:r>
-              <a:rPr lang="en-US" smtClean="0"/>
+              <a:rPr lang="en-US"/>
               <a:t>Third level</a:t>
             </a:r>
           </a:p>
           <a:p>
             <a:pPr lvl="3"/>
             <a:r>
-              <a:rPr lang="en-US" smtClean="0"/>
+              <a:rPr lang="en-US"/>
               <a:t>Fourth level</a:t>
             </a:r>
           </a:p>
           <a:p>
             <a:pPr lvl="4"/>
             <a:r>
-              <a:rPr lang="en-US" smtClean="0"/>
+              <a:rPr lang="en-US"/>
               <a:t>Fifth level</a:t>
             </a:r>
-            <a:endParaRPr lang="en-US"/>
           </a:p>
         </p:txBody>
       </p:sp>
@@ -2577,7 +2562,7 @@
           <a:p>
             <a:fld id="{3D9317D7-3D92-413B-B84A-EC4DFC1A5638}" type="datetimeFigureOut">
               <a:rPr lang="en-US" smtClean="0"/>
-              <a:t>12/30/2021</a:t>
+              <a:t>1/13/2022</a:t>
             </a:fld>
             <a:endParaRPr lang="en-US"/>
           </a:p>
@@ -2998,10 +2983,9 @@
           <a:lstStyle/>
           <a:p>
             <a:r>
-              <a:rPr lang="en-US" dirty="0" smtClean="0"/>
+              <a:rPr lang="en-US" dirty="0"/>
               <a:t>Recycle model results 30/12/21</a:t>
             </a:r>
-            <a:endParaRPr lang="en-US" dirty="0"/>
           </a:p>
         </p:txBody>
       </p:sp>
@@ -3368,10 +3352,9 @@
           <a:lstStyle/>
           <a:p>
             <a:r>
-              <a:rPr lang="en-US" dirty="0" smtClean="0"/>
+              <a:rPr lang="en-US" dirty="0"/>
               <a:t>The model</a:t>
             </a:r>
-            <a:endParaRPr lang="en-US" dirty="0"/>
           </a:p>
         </p:txBody>
       </p:sp>
@@ -5938,10 +5921,9 @@
           <a:lstStyle/>
           <a:p>
             <a:r>
-              <a:rPr lang="en-US" dirty="0" smtClean="0"/>
+              <a:rPr lang="en-US" dirty="0"/>
               <a:t>Model Configurations To Compare</a:t>
             </a:r>
-            <a:endParaRPr lang="en-US" dirty="0"/>
           </a:p>
         </p:txBody>
       </p:sp>
@@ -7678,10 +7660,9 @@
           <a:p>
             <a:pPr algn="ctr"/>
             <a:r>
-              <a:rPr lang="en-US" sz="2800" dirty="0" smtClean="0"/>
+              <a:rPr lang="en-US" sz="2800" dirty="0"/>
               <a:t>Minimal</a:t>
             </a:r>
-            <a:endParaRPr lang="en-US" sz="2800" dirty="0"/>
           </a:p>
         </p:txBody>
       </p:sp>
@@ -7709,10 +7690,9 @@
           <a:p>
             <a:pPr algn="ctr"/>
             <a:r>
-              <a:rPr lang="en-US" sz="2800" dirty="0" smtClean="0"/>
+              <a:rPr lang="en-US" sz="2800" dirty="0"/>
               <a:t>Add Signaling &amp; Detoxification</a:t>
             </a:r>
-            <a:endParaRPr lang="en-US" sz="2800" dirty="0"/>
           </a:p>
         </p:txBody>
       </p:sp>
@@ -8481,7 +8461,7 @@
                 </a:spcAft>
               </a:pPr>
               <a:r>
-                <a:rPr lang="en-US" sz="1050" kern="1200" dirty="0" smtClean="0">
+                <a:rPr lang="en-US" sz="1050" kern="1200" dirty="0">
                   <a:solidFill>
                     <a:srgbClr val="7E3924"/>
                   </a:solidFill>
@@ -8870,7 +8850,7 @@
                 </a:spcAft>
               </a:pPr>
               <a:r>
-                <a:rPr lang="en-US" sz="1050" kern="1200" dirty="0" smtClean="0">
+                <a:rPr lang="en-US" sz="1050" kern="1200" dirty="0">
                   <a:solidFill>
                     <a:srgbClr val="7E3924"/>
                   </a:solidFill>
@@ -11610,10 +11590,9 @@
           <a:p>
             <a:pPr algn="ctr"/>
             <a:r>
-              <a:rPr lang="en-US" sz="2800" dirty="0" smtClean="0"/>
+              <a:rPr lang="en-US" sz="2800" dirty="0"/>
               <a:t>Add Exudation &amp; Overflow</a:t>
             </a:r>
-            <a:endParaRPr lang="en-US" sz="2800" dirty="0"/>
           </a:p>
         </p:txBody>
       </p:sp>
@@ -12606,119 +12585,817 @@
           <a:chExt cx="0" cy="0"/>
         </a:xfrm>
       </p:grpSpPr>
+      <p:pic>
+        <p:nvPicPr>
+          <p:cNvPr id="1048" name="Picture 24">
+            <a:extLst>
+              <a:ext uri="{FF2B5EF4-FFF2-40B4-BE49-F238E27FC236}">
+                <a16:creationId xmlns:a16="http://schemas.microsoft.com/office/drawing/2014/main" id="{E48FD5CE-0EDF-4610-9C05-B3FC94695D5B}"/>
+              </a:ext>
+            </a:extLst>
+          </p:cNvPr>
+          <p:cNvPicPr>
+            <a:picLocks noChangeAspect="1" noChangeArrowheads="1"/>
+          </p:cNvPicPr>
+          <p:nvPr/>
+        </p:nvPicPr>
+        <p:blipFill rotWithShape="1">
+          <a:blip r:embed="rId2">
+            <a:extLst>
+              <a:ext uri="{28A0092B-C50C-407E-A947-70E740481C1C}">
+                <a14:useLocalDpi xmlns:a14="http://schemas.microsoft.com/office/drawing/2010/main" val="0"/>
+              </a:ext>
+            </a:extLst>
+          </a:blip>
+          <a:srcRect r="6942" b="10405"/>
+          <a:stretch/>
+        </p:blipFill>
+        <p:spPr bwMode="auto">
+          <a:xfrm>
+            <a:off x="1524000" y="1159451"/>
+            <a:ext cx="4254631" cy="2211902"/>
+          </a:xfrm>
+          <a:prstGeom prst="rect">
+            <a:avLst/>
+          </a:prstGeom>
+          <a:noFill/>
+          <a:extLst>
+            <a:ext uri="{909E8E84-426E-40DD-AFC4-6F175D3DCCD1}">
+              <a14:hiddenFill xmlns:a14="http://schemas.microsoft.com/office/drawing/2010/main">
+                <a:solidFill>
+                  <a:srgbClr val="FFFFFF"/>
+                </a:solidFill>
+              </a14:hiddenFill>
+            </a:ext>
+          </a:extLst>
+        </p:spPr>
+      </p:pic>
+      <p:pic>
+        <p:nvPicPr>
+          <p:cNvPr id="1050" name="Picture 26">
+            <a:extLst>
+              <a:ext uri="{FF2B5EF4-FFF2-40B4-BE49-F238E27FC236}">
+                <a16:creationId xmlns:a16="http://schemas.microsoft.com/office/drawing/2014/main" id="{1E025276-730B-4DAB-9C90-D7E6EAD949E0}"/>
+              </a:ext>
+            </a:extLst>
+          </p:cNvPr>
+          <p:cNvPicPr>
+            <a:picLocks noChangeAspect="1" noChangeArrowheads="1"/>
+          </p:cNvPicPr>
+          <p:nvPr/>
+        </p:nvPicPr>
+        <p:blipFill rotWithShape="1">
+          <a:blip r:embed="rId3">
+            <a:extLst>
+              <a:ext uri="{28A0092B-C50C-407E-A947-70E740481C1C}">
+                <a14:useLocalDpi xmlns:a14="http://schemas.microsoft.com/office/drawing/2010/main" val="0"/>
+              </a:ext>
+            </a:extLst>
+          </a:blip>
+          <a:srcRect l="6942" b="10405"/>
+          <a:stretch/>
+        </p:blipFill>
+        <p:spPr bwMode="auto">
+          <a:xfrm>
+            <a:off x="5778631" y="1159451"/>
+            <a:ext cx="4254632" cy="2211902"/>
+          </a:xfrm>
+          <a:prstGeom prst="rect">
+            <a:avLst/>
+          </a:prstGeom>
+          <a:noFill/>
+          <a:extLst>
+            <a:ext uri="{909E8E84-426E-40DD-AFC4-6F175D3DCCD1}">
+              <a14:hiddenFill xmlns:a14="http://schemas.microsoft.com/office/drawing/2010/main">
+                <a:solidFill>
+                  <a:srgbClr val="FFFFFF"/>
+                </a:solidFill>
+              </a14:hiddenFill>
+            </a:ext>
+          </a:extLst>
+        </p:spPr>
+      </p:pic>
+      <p:pic>
+        <p:nvPicPr>
+          <p:cNvPr id="1052" name="Picture 28">
+            <a:extLst>
+              <a:ext uri="{FF2B5EF4-FFF2-40B4-BE49-F238E27FC236}">
+                <a16:creationId xmlns:a16="http://schemas.microsoft.com/office/drawing/2014/main" id="{FD087824-F8E2-4401-9B80-37E16D7893EC}"/>
+              </a:ext>
+            </a:extLst>
+          </p:cNvPr>
+          <p:cNvPicPr>
+            <a:picLocks noChangeAspect="1" noChangeArrowheads="1"/>
+          </p:cNvPicPr>
+          <p:nvPr/>
+        </p:nvPicPr>
+        <p:blipFill rotWithShape="1">
+          <a:blip r:embed="rId4">
+            <a:extLst>
+              <a:ext uri="{28A0092B-C50C-407E-A947-70E740481C1C}">
+                <a14:useLocalDpi xmlns:a14="http://schemas.microsoft.com/office/drawing/2010/main" val="0"/>
+              </a:ext>
+            </a:extLst>
+          </a:blip>
+          <a:srcRect r="6942"/>
+          <a:stretch/>
+        </p:blipFill>
+        <p:spPr bwMode="auto">
+          <a:xfrm>
+            <a:off x="1524000" y="3375334"/>
+            <a:ext cx="4254631" cy="2468790"/>
+          </a:xfrm>
+          <a:prstGeom prst="rect">
+            <a:avLst/>
+          </a:prstGeom>
+          <a:noFill/>
+          <a:extLst>
+            <a:ext uri="{909E8E84-426E-40DD-AFC4-6F175D3DCCD1}">
+              <a14:hiddenFill xmlns:a14="http://schemas.microsoft.com/office/drawing/2010/main">
+                <a:solidFill>
+                  <a:srgbClr val="FFFFFF"/>
+                </a:solidFill>
+              </a14:hiddenFill>
+            </a:ext>
+          </a:extLst>
+        </p:spPr>
+      </p:pic>
+      <p:pic>
+        <p:nvPicPr>
+          <p:cNvPr id="1054" name="Picture 30">
+            <a:extLst>
+              <a:ext uri="{FF2B5EF4-FFF2-40B4-BE49-F238E27FC236}">
+                <a16:creationId xmlns:a16="http://schemas.microsoft.com/office/drawing/2014/main" id="{C44A52F1-C133-4E70-8538-8F5598C2C726}"/>
+              </a:ext>
+            </a:extLst>
+          </p:cNvPr>
+          <p:cNvPicPr>
+            <a:picLocks noChangeAspect="1" noChangeArrowheads="1"/>
+          </p:cNvPicPr>
+          <p:nvPr/>
+        </p:nvPicPr>
+        <p:blipFill rotWithShape="1">
+          <a:blip r:embed="rId5">
+            <a:extLst>
+              <a:ext uri="{28A0092B-C50C-407E-A947-70E740481C1C}">
+                <a14:useLocalDpi xmlns:a14="http://schemas.microsoft.com/office/drawing/2010/main" val="0"/>
+              </a:ext>
+            </a:extLst>
+          </a:blip>
+          <a:srcRect l="6941"/>
+          <a:stretch/>
+        </p:blipFill>
+        <p:spPr bwMode="auto">
+          <a:xfrm>
+            <a:off x="5778631" y="3375334"/>
+            <a:ext cx="4254632" cy="2468790"/>
+          </a:xfrm>
+          <a:prstGeom prst="rect">
+            <a:avLst/>
+          </a:prstGeom>
+          <a:noFill/>
+          <a:extLst>
+            <a:ext uri="{909E8E84-426E-40DD-AFC4-6F175D3DCCD1}">
+              <a14:hiddenFill xmlns:a14="http://schemas.microsoft.com/office/drawing/2010/main">
+                <a:solidFill>
+                  <a:srgbClr val="FFFFFF"/>
+                </a:solidFill>
+              </a14:hiddenFill>
+            </a:ext>
+          </a:extLst>
+        </p:spPr>
+      </p:pic>
+      <p:pic>
+        <p:nvPicPr>
+          <p:cNvPr id="17" name="Picture 14">
+            <a:extLst>
+              <a:ext uri="{FF2B5EF4-FFF2-40B4-BE49-F238E27FC236}">
+                <a16:creationId xmlns:a16="http://schemas.microsoft.com/office/drawing/2014/main" id="{9E7E4E35-4C33-49AB-8561-7B3A02C026F2}"/>
+              </a:ext>
+            </a:extLst>
+          </p:cNvPr>
+          <p:cNvPicPr>
+            <a:picLocks noChangeAspect="1" noChangeArrowheads="1"/>
+          </p:cNvPicPr>
+          <p:nvPr/>
+        </p:nvPicPr>
+        <p:blipFill rotWithShape="1">
+          <a:blip r:embed="rId6">
+            <a:extLst>
+              <a:ext uri="{28A0092B-C50C-407E-A947-70E740481C1C}">
+                <a14:useLocalDpi xmlns:a14="http://schemas.microsoft.com/office/drawing/2010/main" val="0"/>
+              </a:ext>
+            </a:extLst>
+          </a:blip>
+          <a:srcRect l="1748" t="19089" r="51435" b="63776"/>
+          <a:stretch/>
+        </p:blipFill>
+        <p:spPr bwMode="auto">
+          <a:xfrm>
+            <a:off x="1970443" y="2901968"/>
+            <a:ext cx="2192403" cy="370294"/>
+          </a:xfrm>
+          <a:prstGeom prst="rect">
+            <a:avLst/>
+          </a:prstGeom>
+          <a:noFill/>
+          <a:extLst>
+            <a:ext uri="{909E8E84-426E-40DD-AFC4-6F175D3DCCD1}">
+              <a14:hiddenFill xmlns:a14="http://schemas.microsoft.com/office/drawing/2010/main">
+                <a:solidFill>
+                  <a:srgbClr val="FFFFFF"/>
+                </a:solidFill>
+              </a14:hiddenFill>
+            </a:ext>
+          </a:extLst>
+        </p:spPr>
+      </p:pic>
+      <p:pic>
+        <p:nvPicPr>
+          <p:cNvPr id="18" name="Picture 16">
+            <a:extLst>
+              <a:ext uri="{FF2B5EF4-FFF2-40B4-BE49-F238E27FC236}">
+                <a16:creationId xmlns:a16="http://schemas.microsoft.com/office/drawing/2014/main" id="{F602AF85-86AA-4410-A821-36B3FA24FD1F}"/>
+              </a:ext>
+            </a:extLst>
+          </p:cNvPr>
+          <p:cNvPicPr>
+            <a:picLocks noChangeAspect="1" noChangeArrowheads="1"/>
+          </p:cNvPicPr>
+          <p:nvPr/>
+        </p:nvPicPr>
+        <p:blipFill rotWithShape="1">
+          <a:blip r:embed="rId7">
+            <a:extLst>
+              <a:ext uri="{28A0092B-C50C-407E-A947-70E740481C1C}">
+                <a14:useLocalDpi xmlns:a14="http://schemas.microsoft.com/office/drawing/2010/main" val="0"/>
+              </a:ext>
+            </a:extLst>
+          </a:blip>
+          <a:srcRect l="1448" t="20139" r="51229" b="63060"/>
+          <a:stretch/>
+        </p:blipFill>
+        <p:spPr bwMode="auto">
+          <a:xfrm>
+            <a:off x="5934172" y="2867819"/>
+            <a:ext cx="2212518" cy="380648"/>
+          </a:xfrm>
+          <a:prstGeom prst="rect">
+            <a:avLst/>
+          </a:prstGeom>
+          <a:noFill/>
+          <a:extLst>
+            <a:ext uri="{909E8E84-426E-40DD-AFC4-6F175D3DCCD1}">
+              <a14:hiddenFill xmlns:a14="http://schemas.microsoft.com/office/drawing/2010/main">
+                <a:solidFill>
+                  <a:srgbClr val="FFFFFF"/>
+                </a:solidFill>
+              </a14:hiddenFill>
+            </a:ext>
+          </a:extLst>
+        </p:spPr>
+      </p:pic>
+      <p:pic>
+        <p:nvPicPr>
+          <p:cNvPr id="19" name="Picture 18">
+            <a:extLst>
+              <a:ext uri="{FF2B5EF4-FFF2-40B4-BE49-F238E27FC236}">
+                <a16:creationId xmlns:a16="http://schemas.microsoft.com/office/drawing/2014/main" id="{E38256B3-0B0A-4888-8A14-6DEC58352D3E}"/>
+              </a:ext>
+            </a:extLst>
+          </p:cNvPr>
+          <p:cNvPicPr>
+            <a:picLocks noChangeAspect="1" noChangeArrowheads="1"/>
+          </p:cNvPicPr>
+          <p:nvPr/>
+        </p:nvPicPr>
+        <p:blipFill rotWithShape="1">
+          <a:blip r:embed="rId8">
+            <a:clrChange>
+              <a:clrFrom>
+                <a:srgbClr val="FFFFFF"/>
+              </a:clrFrom>
+              <a:clrTo>
+                <a:srgbClr val="FFFFFF">
+                  <a:alpha val="0"/>
+                </a:srgbClr>
+              </a:clrTo>
+            </a:clrChange>
+            <a:extLst>
+              <a:ext uri="{28A0092B-C50C-407E-A947-70E740481C1C}">
+                <a14:useLocalDpi xmlns:a14="http://schemas.microsoft.com/office/drawing/2010/main" val="0"/>
+              </a:ext>
+            </a:extLst>
+          </a:blip>
+          <a:srcRect l="26358" t="19614" r="38913" b="63060"/>
+          <a:stretch/>
+        </p:blipFill>
+        <p:spPr bwMode="auto">
+          <a:xfrm>
+            <a:off x="1970443" y="5079687"/>
+            <a:ext cx="1307676" cy="384894"/>
+          </a:xfrm>
+          <a:prstGeom prst="rect">
+            <a:avLst/>
+          </a:prstGeom>
+          <a:noFill/>
+          <a:extLst>
+            <a:ext uri="{909E8E84-426E-40DD-AFC4-6F175D3DCCD1}">
+              <a14:hiddenFill xmlns:a14="http://schemas.microsoft.com/office/drawing/2010/main">
+                <a:solidFill>
+                  <a:srgbClr val="FFFFFF"/>
+                </a:solidFill>
+              </a14:hiddenFill>
+            </a:ext>
+          </a:extLst>
+        </p:spPr>
+      </p:pic>
+      <p:pic>
+        <p:nvPicPr>
+          <p:cNvPr id="20" name="Picture 20">
+            <a:extLst>
+              <a:ext uri="{FF2B5EF4-FFF2-40B4-BE49-F238E27FC236}">
+                <a16:creationId xmlns:a16="http://schemas.microsoft.com/office/drawing/2014/main" id="{96E18DDA-194F-4DB4-BA03-5E4CDAA4E216}"/>
+              </a:ext>
+            </a:extLst>
+          </p:cNvPr>
+          <p:cNvPicPr>
+            <a:picLocks noChangeAspect="1" noChangeArrowheads="1"/>
+          </p:cNvPicPr>
+          <p:nvPr/>
+        </p:nvPicPr>
+        <p:blipFill rotWithShape="1">
+          <a:blip r:embed="rId9" cstate="print">
+            <a:clrChange>
+              <a:clrFrom>
+                <a:srgbClr val="FFFFFF"/>
+              </a:clrFrom>
+              <a:clrTo>
+                <a:srgbClr val="FFFFFF">
+                  <a:alpha val="0"/>
+                </a:srgbClr>
+              </a:clrTo>
+            </a:clrChange>
+            <a:extLst>
+              <a:ext uri="{28A0092B-C50C-407E-A947-70E740481C1C}">
+                <a14:useLocalDpi xmlns:a14="http://schemas.microsoft.com/office/drawing/2010/main" val="0"/>
+              </a:ext>
+            </a:extLst>
+          </a:blip>
+          <a:srcRect l="2242" t="17626" r="51250" b="61837"/>
+          <a:stretch/>
+        </p:blipFill>
+        <p:spPr bwMode="auto">
+          <a:xfrm>
+            <a:off x="5934172" y="5072956"/>
+            <a:ext cx="1540054" cy="383239"/>
+          </a:xfrm>
+          <a:prstGeom prst="rect">
+            <a:avLst/>
+          </a:prstGeom>
+          <a:noFill/>
+          <a:extLst>
+            <a:ext uri="{909E8E84-426E-40DD-AFC4-6F175D3DCCD1}">
+              <a14:hiddenFill xmlns:a14="http://schemas.microsoft.com/office/drawing/2010/main">
+                <a:solidFill>
+                  <a:srgbClr val="FFFFFF"/>
+                </a:solidFill>
+              </a14:hiddenFill>
+            </a:ext>
+          </a:extLst>
+        </p:spPr>
+      </p:pic>
+      <p:grpSp>
+        <p:nvGrpSpPr>
+          <p:cNvPr id="4" name="Group 3">
+            <a:extLst>
+              <a:ext uri="{FF2B5EF4-FFF2-40B4-BE49-F238E27FC236}">
+                <a16:creationId xmlns:a16="http://schemas.microsoft.com/office/drawing/2014/main" id="{5760E9B6-1D01-437C-8C8D-F95AFF3989F2}"/>
+              </a:ext>
+            </a:extLst>
+          </p:cNvPr>
+          <p:cNvGrpSpPr/>
+          <p:nvPr/>
+        </p:nvGrpSpPr>
+        <p:grpSpPr>
+          <a:xfrm>
+            <a:off x="6426200" y="5979000"/>
+            <a:ext cx="1590222" cy="595654"/>
+            <a:chOff x="557637" y="1240561"/>
+            <a:chExt cx="1590222" cy="595654"/>
+          </a:xfrm>
+        </p:grpSpPr>
+        <p:pic>
+          <p:nvPicPr>
+            <p:cNvPr id="22" name="Picture 21">
+              <a:extLst>
+                <a:ext uri="{FF2B5EF4-FFF2-40B4-BE49-F238E27FC236}">
+                  <a16:creationId xmlns:a16="http://schemas.microsoft.com/office/drawing/2014/main" id="{89713B7A-693C-4046-9AF6-6AADD6CB5A85}"/>
+                </a:ext>
+              </a:extLst>
+            </p:cNvPr>
+            <p:cNvPicPr>
+              <a:picLocks noChangeAspect="1" noChangeArrowheads="1"/>
+            </p:cNvPicPr>
+            <p:nvPr/>
+          </p:nvPicPr>
+          <p:blipFill rotWithShape="1">
+            <a:blip r:embed="rId10">
+              <a:extLst>
+                <a:ext uri="{28A0092B-C50C-407E-A947-70E740481C1C}">
+                  <a14:useLocalDpi xmlns:a14="http://schemas.microsoft.com/office/drawing/2010/main" val="0"/>
+                </a:ext>
+              </a:extLst>
+            </a:blip>
+            <a:srcRect l="11423" t="41265" r="85299" b="46892"/>
+            <a:stretch/>
+          </p:blipFill>
+          <p:spPr bwMode="auto">
+            <a:xfrm>
+              <a:off x="557637" y="1290718"/>
+              <a:ext cx="153610" cy="495233"/>
+            </a:xfrm>
+            <a:prstGeom prst="rect">
+              <a:avLst/>
+            </a:prstGeom>
+            <a:noFill/>
+            <a:extLst>
+              <a:ext uri="{909E8E84-426E-40DD-AFC4-6F175D3DCCD1}">
+                <a14:hiddenFill xmlns:a14="http://schemas.microsoft.com/office/drawing/2010/main">
+                  <a:solidFill>
+                    <a:srgbClr val="FFFFFF"/>
+                  </a:solidFill>
+                </a14:hiddenFill>
+              </a:ext>
+            </a:extLst>
+          </p:spPr>
+        </p:pic>
+        <p:sp>
+          <p:nvSpPr>
+            <p:cNvPr id="23" name="TextBox 22">
+              <a:extLst>
+                <a:ext uri="{FF2B5EF4-FFF2-40B4-BE49-F238E27FC236}">
+                  <a16:creationId xmlns:a16="http://schemas.microsoft.com/office/drawing/2014/main" id="{094044E8-B2A9-4233-B69E-6CFC624182A6}"/>
+                </a:ext>
+              </a:extLst>
+            </p:cNvPr>
+            <p:cNvSpPr txBox="1"/>
+            <p:nvPr/>
+          </p:nvSpPr>
+          <p:spPr>
+            <a:xfrm>
+              <a:off x="711247" y="1240561"/>
+              <a:ext cx="1436612" cy="307777"/>
+            </a:xfrm>
+            <a:prstGeom prst="rect">
+              <a:avLst/>
+            </a:prstGeom>
+            <a:noFill/>
+          </p:spPr>
+          <p:txBody>
+            <a:bodyPr wrap="none" rtlCol="0">
+              <a:spAutoFit/>
+            </a:bodyPr>
+            <a:lstStyle/>
+            <a:p>
+              <a:r>
+                <a:rPr lang="en-US" sz="1400" dirty="0"/>
+                <a:t>MED4 Not Viable</a:t>
+              </a:r>
+              <a:endParaRPr lang="LID4096" sz="1400" dirty="0"/>
+            </a:p>
+          </p:txBody>
+        </p:sp>
+        <p:sp>
+          <p:nvSpPr>
+            <p:cNvPr id="24" name="TextBox 23">
+              <a:extLst>
+                <a:ext uri="{FF2B5EF4-FFF2-40B4-BE49-F238E27FC236}">
+                  <a16:creationId xmlns:a16="http://schemas.microsoft.com/office/drawing/2014/main" id="{E2969F5F-E035-4537-A309-9B05283AF997}"/>
+                </a:ext>
+              </a:extLst>
+            </p:cNvPr>
+            <p:cNvSpPr txBox="1"/>
+            <p:nvPr/>
+          </p:nvSpPr>
+          <p:spPr>
+            <a:xfrm>
+              <a:off x="711246" y="1528438"/>
+              <a:ext cx="1125629" cy="307777"/>
+            </a:xfrm>
+            <a:prstGeom prst="rect">
+              <a:avLst/>
+            </a:prstGeom>
+            <a:noFill/>
+          </p:spPr>
+          <p:txBody>
+            <a:bodyPr wrap="none" rtlCol="0">
+              <a:spAutoFit/>
+            </a:bodyPr>
+            <a:lstStyle/>
+            <a:p>
+              <a:r>
+                <a:rPr lang="en-US" sz="1400" dirty="0"/>
+                <a:t>MED4 Viable</a:t>
+              </a:r>
+              <a:endParaRPr lang="LID4096" sz="1400" dirty="0"/>
+            </a:p>
+          </p:txBody>
+        </p:sp>
+      </p:grpSp>
+      <p:grpSp>
+        <p:nvGrpSpPr>
+          <p:cNvPr id="3" name="Group 2">
+            <a:extLst>
+              <a:ext uri="{FF2B5EF4-FFF2-40B4-BE49-F238E27FC236}">
+                <a16:creationId xmlns:a16="http://schemas.microsoft.com/office/drawing/2014/main" id="{F1997F9A-9461-4165-82C0-7369AB9B2F2C}"/>
+              </a:ext>
+            </a:extLst>
+          </p:cNvPr>
+          <p:cNvGrpSpPr/>
+          <p:nvPr/>
+        </p:nvGrpSpPr>
+        <p:grpSpPr>
+          <a:xfrm>
+            <a:off x="3670858" y="5947196"/>
+            <a:ext cx="2042963" cy="627458"/>
+            <a:chOff x="569125" y="1873917"/>
+            <a:chExt cx="2042963" cy="627458"/>
+          </a:xfrm>
+        </p:grpSpPr>
+        <p:pic>
+          <p:nvPicPr>
+            <p:cNvPr id="21" name="Picture 12">
+              <a:extLst>
+                <a:ext uri="{FF2B5EF4-FFF2-40B4-BE49-F238E27FC236}">
+                  <a16:creationId xmlns:a16="http://schemas.microsoft.com/office/drawing/2014/main" id="{BD5FE57E-A169-44C0-A86B-C42F8C377BB3}"/>
+                </a:ext>
+              </a:extLst>
+            </p:cNvPr>
+            <p:cNvPicPr>
+              <a:picLocks noChangeAspect="1" noChangeArrowheads="1"/>
+            </p:cNvPicPr>
+            <p:nvPr/>
+          </p:nvPicPr>
+          <p:blipFill rotWithShape="1">
+            <a:blip r:embed="rId10">
+              <a:extLst>
+                <a:ext uri="{28A0092B-C50C-407E-A947-70E740481C1C}">
+                  <a14:useLocalDpi xmlns:a14="http://schemas.microsoft.com/office/drawing/2010/main" val="0"/>
+                </a:ext>
+              </a:extLst>
+            </a:blip>
+            <a:srcRect l="11668" t="84237" r="85299" b="3470"/>
+            <a:stretch/>
+          </p:blipFill>
+          <p:spPr bwMode="auto">
+            <a:xfrm>
+              <a:off x="569125" y="1922127"/>
+              <a:ext cx="142122" cy="514039"/>
+            </a:xfrm>
+            <a:prstGeom prst="rect">
+              <a:avLst/>
+            </a:prstGeom>
+            <a:noFill/>
+            <a:extLst>
+              <a:ext uri="{909E8E84-426E-40DD-AFC4-6F175D3DCCD1}">
+                <a14:hiddenFill xmlns:a14="http://schemas.microsoft.com/office/drawing/2010/main">
+                  <a:solidFill>
+                    <a:srgbClr val="FFFFFF"/>
+                  </a:solidFill>
+                </a14:hiddenFill>
+              </a:ext>
+            </a:extLst>
+          </p:spPr>
+        </p:pic>
+        <p:sp>
+          <p:nvSpPr>
+            <p:cNvPr id="25" name="TextBox 24">
+              <a:extLst>
+                <a:ext uri="{FF2B5EF4-FFF2-40B4-BE49-F238E27FC236}">
+                  <a16:creationId xmlns:a16="http://schemas.microsoft.com/office/drawing/2014/main" id="{D368E8FE-5C67-407F-9D65-2F13933DD309}"/>
+                </a:ext>
+              </a:extLst>
+            </p:cNvPr>
+            <p:cNvSpPr txBox="1"/>
+            <p:nvPr/>
+          </p:nvSpPr>
+          <p:spPr>
+            <a:xfrm>
+              <a:off x="711247" y="1873917"/>
+              <a:ext cx="1900841" cy="307777"/>
+            </a:xfrm>
+            <a:prstGeom prst="rect">
+              <a:avLst/>
+            </a:prstGeom>
+            <a:noFill/>
+          </p:spPr>
+          <p:txBody>
+            <a:bodyPr wrap="none" rtlCol="0">
+              <a:spAutoFit/>
+            </a:bodyPr>
+            <a:lstStyle/>
+            <a:p>
+              <a:r>
+                <a:rPr lang="en-US" sz="1400" dirty="0"/>
+                <a:t>Heterotroph Not Viable</a:t>
+              </a:r>
+              <a:endParaRPr lang="LID4096" sz="1400" dirty="0"/>
+            </a:p>
+          </p:txBody>
+        </p:sp>
+        <p:sp>
+          <p:nvSpPr>
+            <p:cNvPr id="26" name="TextBox 25">
+              <a:extLst>
+                <a:ext uri="{FF2B5EF4-FFF2-40B4-BE49-F238E27FC236}">
+                  <a16:creationId xmlns:a16="http://schemas.microsoft.com/office/drawing/2014/main" id="{1260C2FD-1575-46C4-9B8A-E48533D269EB}"/>
+                </a:ext>
+              </a:extLst>
+            </p:cNvPr>
+            <p:cNvSpPr txBox="1"/>
+            <p:nvPr/>
+          </p:nvSpPr>
+          <p:spPr>
+            <a:xfrm>
+              <a:off x="711246" y="2193598"/>
+              <a:ext cx="1589859" cy="307777"/>
+            </a:xfrm>
+            <a:prstGeom prst="rect">
+              <a:avLst/>
+            </a:prstGeom>
+            <a:noFill/>
+          </p:spPr>
+          <p:txBody>
+            <a:bodyPr wrap="none" rtlCol="0">
+              <a:spAutoFit/>
+            </a:bodyPr>
+            <a:lstStyle/>
+            <a:p>
+              <a:r>
+                <a:rPr lang="en-US" sz="1400" dirty="0"/>
+                <a:t>Heterotroph Viable</a:t>
+              </a:r>
+              <a:endParaRPr lang="LID4096" sz="1400" dirty="0"/>
+            </a:p>
+          </p:txBody>
+        </p:sp>
+      </p:grpSp>
       <p:sp>
         <p:nvSpPr>
-          <p:cNvPr id="2" name="Title 1"/>
-          <p:cNvSpPr>
-            <a:spLocks noGrp="1"/>
-          </p:cNvSpPr>
-          <p:nvPr>
-            <p:ph type="title"/>
-          </p:nvPr>
+          <p:cNvPr id="5" name="TextBox 4">
+            <a:extLst>
+              <a:ext uri="{FF2B5EF4-FFF2-40B4-BE49-F238E27FC236}">
+                <a16:creationId xmlns:a16="http://schemas.microsoft.com/office/drawing/2014/main" id="{409953E3-0CF5-4873-99EB-4C1450ABCC1C}"/>
+              </a:ext>
+            </a:extLst>
+          </p:cNvPr>
+          <p:cNvSpPr txBox="1"/>
+          <p:nvPr/>
         </p:nvSpPr>
-        <p:spPr/>
+        <p:spPr>
+          <a:xfrm>
+            <a:off x="6903917" y="3381331"/>
+            <a:ext cx="1860830" cy="369332"/>
+          </a:xfrm>
+          <a:prstGeom prst="rect">
+            <a:avLst/>
+          </a:prstGeom>
+          <a:solidFill>
+            <a:schemeClr val="bg1"/>
+          </a:solidFill>
+        </p:spPr>
         <p:txBody>
-          <a:bodyPr/>
+          <a:bodyPr wrap="none" rtlCol="0">
+            <a:spAutoFit/>
+          </a:bodyPr>
           <a:lstStyle/>
           <a:p>
             <a:r>
-              <a:rPr lang="en-US" dirty="0" smtClean="0"/>
-              <a:t>Possible outline</a:t>
+              <a:rPr lang="en-US" dirty="0"/>
+              <a:t>Inhibited + Axenic</a:t>
             </a:r>
-            <a:endParaRPr lang="en-US" dirty="0"/>
+            <a:endParaRPr lang="LID4096" dirty="0"/>
           </a:p>
         </p:txBody>
       </p:sp>
       <p:sp>
         <p:nvSpPr>
-          <p:cNvPr id="3" name="Content Placeholder 2"/>
-          <p:cNvSpPr>
-            <a:spLocks noGrp="1"/>
-          </p:cNvSpPr>
-          <p:nvPr>
-            <p:ph idx="1"/>
-          </p:nvPr>
+          <p:cNvPr id="6" name="TextBox 5">
+            <a:extLst>
+              <a:ext uri="{FF2B5EF4-FFF2-40B4-BE49-F238E27FC236}">
+                <a16:creationId xmlns:a16="http://schemas.microsoft.com/office/drawing/2014/main" id="{C5C02AC0-CB93-42EB-A7E6-AD7857EBD7A7}"/>
+              </a:ext>
+            </a:extLst>
+          </p:cNvPr>
+          <p:cNvSpPr txBox="1"/>
+          <p:nvPr/>
         </p:nvSpPr>
-        <p:spPr/>
+        <p:spPr>
+          <a:xfrm>
+            <a:off x="3193820" y="1013876"/>
+            <a:ext cx="1096198" cy="369332"/>
+          </a:xfrm>
+          <a:prstGeom prst="rect">
+            <a:avLst/>
+          </a:prstGeom>
+          <a:solidFill>
+            <a:schemeClr val="bg1"/>
+          </a:solidFill>
+        </p:spPr>
         <p:txBody>
-          <a:bodyPr/>
+          <a:bodyPr wrap="none" rtlCol="0">
+            <a:spAutoFit/>
+          </a:bodyPr>
           <a:lstStyle/>
           <a:p>
             <a:r>
-              <a:rPr lang="en-US" dirty="0" smtClean="0"/>
-              <a:t>Define model configurations </a:t>
+              <a:rPr lang="en-US" dirty="0"/>
+              <a:t>Sustained</a:t>
             </a:r>
+            <a:endParaRPr lang="LID4096" dirty="0"/>
           </a:p>
+        </p:txBody>
+      </p:sp>
+      <p:sp>
+        <p:nvSpPr>
+          <p:cNvPr id="8" name="TextBox 7">
+            <a:extLst>
+              <a:ext uri="{FF2B5EF4-FFF2-40B4-BE49-F238E27FC236}">
+                <a16:creationId xmlns:a16="http://schemas.microsoft.com/office/drawing/2014/main" id="{51D855AC-C72E-4BB7-BD4F-57EFFA27AE60}"/>
+              </a:ext>
+            </a:extLst>
+          </p:cNvPr>
+          <p:cNvSpPr txBox="1"/>
+          <p:nvPr/>
+        </p:nvSpPr>
+        <p:spPr>
+          <a:xfrm>
+            <a:off x="7298116" y="1013876"/>
+            <a:ext cx="796500" cy="369332"/>
+          </a:xfrm>
+          <a:prstGeom prst="rect">
+            <a:avLst/>
+          </a:prstGeom>
+          <a:solidFill>
+            <a:schemeClr val="bg1"/>
+          </a:solidFill>
+        </p:spPr>
+        <p:txBody>
+          <a:bodyPr wrap="none" rtlCol="0">
+            <a:spAutoFit/>
+          </a:bodyPr>
+          <a:lstStyle/>
           <a:p>
             <a:r>
-              <a:rPr lang="en-US" dirty="0" smtClean="0"/>
-              <a:t>Run differential evolution on each 10cc results </a:t>
+              <a:rPr lang="en-US" dirty="0"/>
+              <a:t>Strong</a:t>
             </a:r>
+            <a:endParaRPr lang="LID4096" dirty="0"/>
           </a:p>
-          <a:p>
-            <a:pPr lvl="1"/>
-            <a:r>
-              <a:rPr lang="en-US" dirty="0" smtClean="0"/>
-              <a:t>FACS only? FL?</a:t>
-            </a:r>
-          </a:p>
-          <a:p>
-            <a:pPr lvl="1"/>
-            <a:r>
-              <a:rPr lang="en-US" dirty="0" smtClean="0"/>
-              <a:t>Using each configuration</a:t>
-            </a:r>
-          </a:p>
-          <a:p>
-            <a:pPr lvl="1"/>
-            <a:r>
-              <a:rPr lang="en-US" dirty="0" smtClean="0"/>
-              <a:t>N replicates</a:t>
-            </a:r>
-          </a:p>
+        </p:txBody>
+      </p:sp>
+      <p:sp>
+        <p:nvSpPr>
+          <p:cNvPr id="9" name="TextBox 8">
+            <a:extLst>
+              <a:ext uri="{FF2B5EF4-FFF2-40B4-BE49-F238E27FC236}">
+                <a16:creationId xmlns:a16="http://schemas.microsoft.com/office/drawing/2014/main" id="{888358EA-C6B5-4190-9CDD-CAE4D5758DD7}"/>
+              </a:ext>
+            </a:extLst>
+          </p:cNvPr>
+          <p:cNvSpPr txBox="1"/>
+          <p:nvPr/>
+        </p:nvSpPr>
+        <p:spPr>
+          <a:xfrm>
+            <a:off x="2982404" y="3371353"/>
+            <a:ext cx="1663340" cy="369332"/>
+          </a:xfrm>
+          <a:prstGeom prst="rect">
+            <a:avLst/>
+          </a:prstGeom>
+          <a:solidFill>
+            <a:schemeClr val="bg1"/>
+          </a:solidFill>
+        </p:spPr>
+        <p:txBody>
+          <a:bodyPr wrap="none" rtlCol="0">
+            <a:spAutoFit/>
+          </a:bodyPr>
+          <a:lstStyle/>
           <a:p>
             <a:r>
-              <a:rPr lang="en-US" dirty="0" smtClean="0"/>
-              <a:t>Analyze results </a:t>
+              <a:rPr lang="en-US" dirty="0"/>
+              <a:t>Inhibited Viable</a:t>
             </a:r>
-          </a:p>
-          <a:p>
-            <a:pPr lvl="1"/>
-            <a:r>
-              <a:rPr lang="en-US" dirty="0" smtClean="0"/>
-              <a:t>Which of the measurements co</a:t>
-            </a:r>
-            <a:r>
-              <a:rPr lang="en-US" dirty="0"/>
-              <a:t>u</a:t>
-            </a:r>
-            <a:r>
-              <a:rPr lang="en-US" dirty="0" smtClean="0"/>
-              <a:t>ld be explained by </a:t>
-            </a:r>
-            <a:r>
-              <a:rPr lang="en-US" smtClean="0"/>
-              <a:t>the model</a:t>
-            </a:r>
-            <a:endParaRPr lang="en-US" dirty="0" smtClean="0"/>
-          </a:p>
-          <a:p>
-            <a:pPr lvl="1"/>
-            <a:endParaRPr lang="en-US" dirty="0" smtClean="0"/>
-          </a:p>
-          <a:p>
-            <a:pPr lvl="1"/>
-            <a:endParaRPr lang="en-US" dirty="0" smtClean="0"/>
-          </a:p>
-          <a:p>
-            <a:endParaRPr lang="en-US" dirty="0"/>
           </a:p>
         </p:txBody>
       </p:sp>
     </p:spTree>
     <p:extLst>
       <p:ext uri="{BB962C8B-B14F-4D97-AF65-F5344CB8AC3E}">
-        <p14:creationId xmlns:p14="http://schemas.microsoft.com/office/powerpoint/2010/main" val="3785250535"/>
+        <p14:creationId xmlns:p14="http://schemas.microsoft.com/office/powerpoint/2010/main" val="3400440383"/>
       </p:ext>
     </p:extLst>
   </p:cSld>
@@ -12761,10 +13438,139 @@
           <a:lstStyle/>
           <a:p>
             <a:r>
-              <a:rPr lang="en-US" dirty="0" smtClean="0"/>
+              <a:rPr lang="en-US" dirty="0"/>
+              <a:t>Possible outline</a:t>
+            </a:r>
+          </a:p>
+        </p:txBody>
+      </p:sp>
+      <p:sp>
+        <p:nvSpPr>
+          <p:cNvPr id="3" name="Content Placeholder 2"/>
+          <p:cNvSpPr>
+            <a:spLocks noGrp="1"/>
+          </p:cNvSpPr>
+          <p:nvPr>
+            <p:ph idx="1"/>
+          </p:nvPr>
+        </p:nvSpPr>
+        <p:spPr/>
+        <p:txBody>
+          <a:bodyPr/>
+          <a:lstStyle/>
+          <a:p>
+            <a:r>
+              <a:rPr lang="en-US" dirty="0"/>
+              <a:t>Define model configurations </a:t>
+            </a:r>
+          </a:p>
+          <a:p>
+            <a:r>
+              <a:rPr lang="en-US" dirty="0"/>
+              <a:t>Run differential evolution on each 10cc results </a:t>
+            </a:r>
+          </a:p>
+          <a:p>
+            <a:pPr lvl="1"/>
+            <a:r>
+              <a:rPr lang="en-US" dirty="0"/>
+              <a:t>FACS only? FL?</a:t>
+            </a:r>
+          </a:p>
+          <a:p>
+            <a:pPr lvl="1"/>
+            <a:r>
+              <a:rPr lang="en-US" dirty="0"/>
+              <a:t>Using each configuration</a:t>
+            </a:r>
+          </a:p>
+          <a:p>
+            <a:pPr lvl="1"/>
+            <a:r>
+              <a:rPr lang="en-US" dirty="0"/>
+              <a:t>N replicates</a:t>
+            </a:r>
+          </a:p>
+          <a:p>
+            <a:r>
+              <a:rPr lang="en-US" dirty="0"/>
+              <a:t>Analyze results </a:t>
+            </a:r>
+          </a:p>
+          <a:p>
+            <a:pPr lvl="1"/>
+            <a:r>
+              <a:rPr lang="en-US" dirty="0"/>
+              <a:t>Which of the measurements could be explained by </a:t>
+            </a:r>
+            <a:r>
+              <a:rPr lang="en-US"/>
+              <a:t>the model</a:t>
+            </a:r>
+            <a:endParaRPr lang="en-US" dirty="0"/>
+          </a:p>
+          <a:p>
+            <a:pPr lvl="1"/>
+            <a:endParaRPr lang="en-US" dirty="0"/>
+          </a:p>
+          <a:p>
+            <a:pPr lvl="1"/>
+            <a:endParaRPr lang="en-US" dirty="0"/>
+          </a:p>
+          <a:p>
+            <a:endParaRPr lang="en-US" dirty="0"/>
+          </a:p>
+        </p:txBody>
+      </p:sp>
+    </p:spTree>
+    <p:extLst>
+      <p:ext uri="{BB962C8B-B14F-4D97-AF65-F5344CB8AC3E}">
+        <p14:creationId xmlns:p14="http://schemas.microsoft.com/office/powerpoint/2010/main" val="3785250535"/>
+      </p:ext>
+    </p:extLst>
+  </p:cSld>
+  <p:clrMapOvr>
+    <a:masterClrMapping/>
+  </p:clrMapOvr>
+</p:sld>
+</file>
+
+<file path=ppt/slides/slide19.xml><?xml version="1.0" encoding="utf-8"?>
+<p:sld xmlns:a="http://schemas.openxmlformats.org/drawingml/2006/main" xmlns:r="http://schemas.openxmlformats.org/officeDocument/2006/relationships" xmlns:p="http://schemas.openxmlformats.org/presentationml/2006/main">
+  <p:cSld>
+    <p:spTree>
+      <p:nvGrpSpPr>
+        <p:cNvPr id="1" name=""/>
+        <p:cNvGrpSpPr/>
+        <p:nvPr/>
+      </p:nvGrpSpPr>
+      <p:grpSpPr>
+        <a:xfrm>
+          <a:off x="0" y="0"/>
+          <a:ext cx="0" cy="0"/>
+          <a:chOff x="0" y="0"/>
+          <a:chExt cx="0" cy="0"/>
+        </a:xfrm>
+      </p:grpSpPr>
+      <p:sp>
+        <p:nvSpPr>
+          <p:cNvPr id="2" name="Title 1"/>
+          <p:cNvSpPr>
+            <a:spLocks noGrp="1"/>
+          </p:cNvSpPr>
+          <p:nvPr>
+            <p:ph type="title"/>
+          </p:nvPr>
+        </p:nvSpPr>
+        <p:spPr/>
+        <p:txBody>
+          <a:bodyPr/>
+          <a:lstStyle/>
+          <a:p>
+            <a:r>
+              <a:rPr lang="en-US" dirty="0"/>
               <a:t>Question</a:t>
             </a:r>
-            <a:endParaRPr lang="en-US" dirty="0"/>
           </a:p>
         </p:txBody>
       </p:sp>
@@ -12820,139 +13626,6 @@
     <p:extLst>
       <p:ext uri="{BB962C8B-B14F-4D97-AF65-F5344CB8AC3E}">
         <p14:creationId xmlns:p14="http://schemas.microsoft.com/office/powerpoint/2010/main" val="893176664"/>
-      </p:ext>
-    </p:extLst>
-  </p:cSld>
-  <p:clrMapOvr>
-    <a:masterClrMapping/>
-  </p:clrMapOvr>
-</p:sld>
-</file>
-
-<file path=ppt/slides/slide19.xml><?xml version="1.0" encoding="utf-8"?>
-<p:sld xmlns:a="http://schemas.openxmlformats.org/drawingml/2006/main" xmlns:r="http://schemas.openxmlformats.org/officeDocument/2006/relationships" xmlns:p="http://schemas.openxmlformats.org/presentationml/2006/main">
-  <p:cSld>
-    <p:spTree>
-      <p:nvGrpSpPr>
-        <p:cNvPr id="1" name=""/>
-        <p:cNvGrpSpPr/>
-        <p:nvPr/>
-      </p:nvGrpSpPr>
-      <p:grpSpPr>
-        <a:xfrm>
-          <a:off x="0" y="0"/>
-          <a:ext cx="0" cy="0"/>
-          <a:chOff x="0" y="0"/>
-          <a:chExt cx="0" cy="0"/>
-        </a:xfrm>
-      </p:grpSpPr>
-      <p:sp>
-        <p:nvSpPr>
-          <p:cNvPr id="2" name="Title 1"/>
-          <p:cNvSpPr>
-            <a:spLocks noGrp="1"/>
-          </p:cNvSpPr>
-          <p:nvPr>
-            <p:ph type="title"/>
-          </p:nvPr>
-        </p:nvSpPr>
-        <p:spPr/>
-        <p:txBody>
-          <a:bodyPr/>
-          <a:lstStyle/>
-          <a:p>
-            <a:r>
-              <a:rPr lang="en-US" dirty="0" smtClean="0"/>
-              <a:t>Next Steps</a:t>
-            </a:r>
-            <a:endParaRPr lang="en-US" dirty="0"/>
-          </a:p>
-        </p:txBody>
-      </p:sp>
-      <p:sp>
-        <p:nvSpPr>
-          <p:cNvPr id="3" name="Content Placeholder 2"/>
-          <p:cNvSpPr>
-            <a:spLocks noGrp="1"/>
-          </p:cNvSpPr>
-          <p:nvPr>
-            <p:ph idx="1"/>
-          </p:nvPr>
-        </p:nvSpPr>
-        <p:spPr/>
-        <p:txBody>
-          <a:bodyPr/>
-          <a:lstStyle/>
-          <a:p>
-            <a:r>
-              <a:rPr lang="en-US" dirty="0" smtClean="0"/>
-              <a:t>What is the relevant range of </a:t>
-            </a:r>
-            <a:r>
-              <a:rPr lang="en-US" dirty="0" err="1" smtClean="0"/>
-              <a:t>params</a:t>
-            </a:r>
-            <a:endParaRPr lang="en-US" dirty="0" smtClean="0"/>
-          </a:p>
-          <a:p>
-            <a:pPr lvl="1"/>
-            <a:r>
-              <a:rPr lang="en-US" dirty="0" smtClean="0"/>
-              <a:t>Analyze the runs to see what range of </a:t>
-            </a:r>
-            <a:r>
-              <a:rPr lang="en-US" dirty="0" err="1" smtClean="0"/>
-              <a:t>params</a:t>
-            </a:r>
-            <a:r>
-              <a:rPr lang="en-US" dirty="0" smtClean="0"/>
-              <a:t> causes negative simulation/timeouts and what range of </a:t>
-            </a:r>
-            <a:r>
-              <a:rPr lang="en-US" dirty="0" err="1" smtClean="0"/>
-              <a:t>params</a:t>
-            </a:r>
-            <a:r>
-              <a:rPr lang="en-US" dirty="0" smtClean="0"/>
-              <a:t> causes quick collapse</a:t>
-            </a:r>
-          </a:p>
-          <a:p>
-            <a:r>
-              <a:rPr lang="en-US" dirty="0" smtClean="0"/>
-              <a:t>Run genetic optimization (differential evolution) to fit against each o the FACS results of 10CC experiment</a:t>
-            </a:r>
-          </a:p>
-          <a:p>
-            <a:r>
-              <a:rPr lang="en-US" dirty="0" smtClean="0"/>
-              <a:t>Following configurations</a:t>
-            </a:r>
-          </a:p>
-          <a:p>
-            <a:pPr lvl="1"/>
-            <a:r>
-              <a:rPr lang="en-US" dirty="0" smtClean="0"/>
-              <a:t>Disable signaling and ROS</a:t>
-            </a:r>
-          </a:p>
-          <a:p>
-            <a:pPr lvl="1"/>
-            <a:r>
-              <a:rPr lang="en-US" dirty="0" smtClean="0"/>
-              <a:t>Disable overflow and exudation</a:t>
-            </a:r>
-          </a:p>
-          <a:p>
-            <a:pPr lvl="1"/>
-            <a:endParaRPr lang="en-US" dirty="0"/>
-          </a:p>
-        </p:txBody>
-      </p:sp>
-    </p:spTree>
-    <p:extLst>
-      <p:ext uri="{BB962C8B-B14F-4D97-AF65-F5344CB8AC3E}">
-        <p14:creationId xmlns:p14="http://schemas.microsoft.com/office/powerpoint/2010/main" val="256379903"/>
       </p:ext>
     </p:extLst>
   </p:cSld>
@@ -13122,9 +13795,140 @@
           <a:lstStyle/>
           <a:p>
             <a:r>
-              <a:rPr lang="en-US" dirty="0" smtClean="0"/>
+              <a:rPr lang="en-US" dirty="0"/>
               <a:t>HET only</a:t>
             </a:r>
+          </a:p>
+        </p:txBody>
+      </p:sp>
+    </p:spTree>
+    <p:extLst>
+      <p:ext uri="{BB962C8B-B14F-4D97-AF65-F5344CB8AC3E}">
+        <p14:creationId xmlns:p14="http://schemas.microsoft.com/office/powerpoint/2010/main" val="2101246169"/>
+      </p:ext>
+    </p:extLst>
+  </p:cSld>
+  <p:clrMapOvr>
+    <a:masterClrMapping/>
+  </p:clrMapOvr>
+</p:sld>
+</file>
+
+<file path=ppt/slides/slide20.xml><?xml version="1.0" encoding="utf-8"?>
+<p:sld xmlns:a="http://schemas.openxmlformats.org/drawingml/2006/main" xmlns:r="http://schemas.openxmlformats.org/officeDocument/2006/relationships" xmlns:p="http://schemas.openxmlformats.org/presentationml/2006/main">
+  <p:cSld>
+    <p:spTree>
+      <p:nvGrpSpPr>
+        <p:cNvPr id="1" name=""/>
+        <p:cNvGrpSpPr/>
+        <p:nvPr/>
+      </p:nvGrpSpPr>
+      <p:grpSpPr>
+        <a:xfrm>
+          <a:off x="0" y="0"/>
+          <a:ext cx="0" cy="0"/>
+          <a:chOff x="0" y="0"/>
+          <a:chExt cx="0" cy="0"/>
+        </a:xfrm>
+      </p:grpSpPr>
+      <p:sp>
+        <p:nvSpPr>
+          <p:cNvPr id="2" name="Title 1"/>
+          <p:cNvSpPr>
+            <a:spLocks noGrp="1"/>
+          </p:cNvSpPr>
+          <p:nvPr>
+            <p:ph type="title"/>
+          </p:nvPr>
+        </p:nvSpPr>
+        <p:spPr/>
+        <p:txBody>
+          <a:bodyPr/>
+          <a:lstStyle/>
+          <a:p>
+            <a:r>
+              <a:rPr lang="en-US" dirty="0"/>
+              <a:t>Next Steps</a:t>
+            </a:r>
+          </a:p>
+        </p:txBody>
+      </p:sp>
+      <p:sp>
+        <p:nvSpPr>
+          <p:cNvPr id="3" name="Content Placeholder 2"/>
+          <p:cNvSpPr>
+            <a:spLocks noGrp="1"/>
+          </p:cNvSpPr>
+          <p:nvPr>
+            <p:ph idx="1"/>
+          </p:nvPr>
+        </p:nvSpPr>
+        <p:spPr/>
+        <p:txBody>
+          <a:bodyPr/>
+          <a:lstStyle/>
+          <a:p>
+            <a:r>
+              <a:rPr lang="en-US" dirty="0"/>
+              <a:t>What is the relevant range of </a:t>
+            </a:r>
+            <a:r>
+              <a:rPr lang="en-US" dirty="0" err="1"/>
+              <a:t>params</a:t>
+            </a:r>
+            <a:endParaRPr lang="en-US" dirty="0"/>
+          </a:p>
+          <a:p>
+            <a:pPr lvl="1"/>
+            <a:r>
+              <a:rPr lang="en-US" dirty="0"/>
+              <a:t>Analyze the runs to see what range of </a:t>
+            </a:r>
+            <a:r>
+              <a:rPr lang="en-US" dirty="0" err="1"/>
+              <a:t>params</a:t>
+            </a:r>
+            <a:r>
+              <a:rPr lang="en-US" dirty="0"/>
+              <a:t> causes negative simulation/timeouts and what range of </a:t>
+            </a:r>
+            <a:r>
+              <a:rPr lang="en-US" dirty="0" err="1"/>
+              <a:t>params</a:t>
+            </a:r>
+            <a:r>
+              <a:rPr lang="en-US" dirty="0"/>
+              <a:t> causes quick collapse</a:t>
+            </a:r>
+          </a:p>
+          <a:p>
+            <a:r>
+              <a:rPr lang="en-US" dirty="0"/>
+              <a:t>Run genetic optimization (differential evolution) to fit against each o the FACS results of 10CC experiment</a:t>
+            </a:r>
+          </a:p>
+          <a:p>
+            <a:r>
+              <a:rPr lang="en-US" dirty="0"/>
+              <a:t>Following configurations</a:t>
+            </a:r>
+          </a:p>
+          <a:p>
+            <a:pPr lvl="1"/>
+            <a:r>
+              <a:rPr lang="en-US" dirty="0"/>
+              <a:t>Disable signaling and ROS</a:t>
+            </a:r>
+          </a:p>
+          <a:p>
+            <a:pPr lvl="1"/>
+            <a:r>
+              <a:rPr lang="en-US" dirty="0"/>
+              <a:t>Disable overflow and exudation</a:t>
+            </a:r>
+          </a:p>
+          <a:p>
+            <a:pPr lvl="1"/>
             <a:endParaRPr lang="en-US" dirty="0"/>
           </a:p>
         </p:txBody>
@@ -13132,7 +13936,7 @@
     </p:spTree>
     <p:extLst>
       <p:ext uri="{BB962C8B-B14F-4D97-AF65-F5344CB8AC3E}">
-        <p14:creationId xmlns:p14="http://schemas.microsoft.com/office/powerpoint/2010/main" val="2101246169"/>
+        <p14:creationId xmlns:p14="http://schemas.microsoft.com/office/powerpoint/2010/main" val="256379903"/>
       </p:ext>
     </p:extLst>
   </p:cSld>
@@ -13302,10 +14106,9 @@
           <a:lstStyle/>
           <a:p>
             <a:r>
-              <a:rPr lang="en-US" dirty="0" smtClean="0"/>
+              <a:rPr lang="en-US" dirty="0"/>
               <a:t>PRO only</a:t>
             </a:r>
-            <a:endParaRPr lang="en-US" dirty="0"/>
           </a:p>
         </p:txBody>
       </p:sp>
@@ -13482,10 +14285,9 @@
           <a:lstStyle/>
           <a:p>
             <a:r>
-              <a:rPr lang="en-US" dirty="0" smtClean="0"/>
+              <a:rPr lang="en-US" dirty="0"/>
               <a:t>Co culture</a:t>
             </a:r>
-            <a:endParaRPr lang="en-US" dirty="0"/>
           </a:p>
         </p:txBody>
       </p:sp>
@@ -13535,10 +14337,9 @@
           <a:lstStyle/>
           <a:p>
             <a:r>
-              <a:rPr lang="en-US" dirty="0" smtClean="0"/>
+              <a:rPr lang="en-US" dirty="0"/>
               <a:t>Multiple runs</a:t>
             </a:r>
-            <a:endParaRPr lang="en-US" dirty="0"/>
           </a:p>
         </p:txBody>
       </p:sp>
@@ -13560,93 +14361,93 @@
           <a:lstStyle/>
           <a:p>
             <a:r>
-              <a:rPr lang="en-US" dirty="0" err="1" smtClean="0"/>
+              <a:rPr lang="en-US" dirty="0" err="1"/>
               <a:t>Param</a:t>
             </a:r>
             <a:r>
-              <a:rPr lang="en-US" dirty="0" smtClean="0"/>
+              <a:rPr lang="en-US" dirty="0"/>
               <a:t> sensitivity </a:t>
             </a:r>
             <a:r>
-              <a:rPr lang="en-IL" dirty="0" smtClean="0"/>
+              <a:rPr lang="en-IL" dirty="0"/>
               <a:t>–</a:t>
             </a:r>
             <a:r>
-              <a:rPr lang="en-US" dirty="0" smtClean="0"/>
+              <a:rPr lang="en-US" dirty="0"/>
               <a:t> changing 1 </a:t>
             </a:r>
             <a:r>
-              <a:rPr lang="en-US" dirty="0" err="1" smtClean="0"/>
+              <a:rPr lang="en-US" dirty="0" err="1"/>
               <a:t>param</a:t>
             </a:r>
             <a:r>
-              <a:rPr lang="en-US" dirty="0" smtClean="0"/>
+              <a:rPr lang="en-US" dirty="0"/>
               <a:t> at a time</a:t>
             </a:r>
           </a:p>
           <a:p>
             <a:r>
-              <a:rPr lang="en-US" dirty="0" smtClean="0"/>
+              <a:rPr lang="en-US" dirty="0"/>
               <a:t>Disable mechanism </a:t>
             </a:r>
             <a:r>
-              <a:rPr lang="en-IL" dirty="0" smtClean="0"/>
+              <a:rPr lang="en-IL" dirty="0"/>
               <a:t>–</a:t>
             </a:r>
             <a:r>
-              <a:rPr lang="en-US" dirty="0" smtClean="0"/>
+              <a:rPr lang="en-US" dirty="0"/>
               <a:t> disable a single mechanism at a time</a:t>
             </a:r>
           </a:p>
           <a:p>
             <a:r>
-              <a:rPr lang="en-US" dirty="0" smtClean="0"/>
+              <a:rPr lang="en-US" dirty="0"/>
               <a:t>Sensitivity/</a:t>
             </a:r>
             <a:r>
-              <a:rPr lang="en-US" dirty="0" err="1" smtClean="0"/>
+              <a:rPr lang="en-US" dirty="0" err="1"/>
               <a:t>monte</a:t>
             </a:r>
             <a:r>
-              <a:rPr lang="en-US" dirty="0" smtClean="0"/>
+              <a:rPr lang="en-US" dirty="0"/>
               <a:t> </a:t>
             </a:r>
             <a:r>
-              <a:rPr lang="en-US" dirty="0" err="1" smtClean="0"/>
+              <a:rPr lang="en-US" dirty="0" err="1"/>
               <a:t>carlo</a:t>
             </a:r>
             <a:r>
-              <a:rPr lang="en-US" dirty="0" smtClean="0"/>
+              <a:rPr lang="en-US" dirty="0"/>
               <a:t> </a:t>
             </a:r>
             <a:r>
-              <a:rPr lang="en-IL" dirty="0" smtClean="0"/>
+              <a:rPr lang="en-IL" dirty="0"/>
               <a:t>–</a:t>
             </a:r>
             <a:r>
-              <a:rPr lang="en-US" dirty="0" smtClean="0"/>
+              <a:rPr lang="en-US" dirty="0"/>
               <a:t> run multiple combinations based on </a:t>
             </a:r>
             <a:r>
-              <a:rPr lang="en-US" dirty="0" err="1" smtClean="0"/>
+              <a:rPr lang="en-US" dirty="0" err="1"/>
               <a:t>param</a:t>
             </a:r>
             <a:r>
-              <a:rPr lang="en-US" dirty="0" smtClean="0"/>
+              <a:rPr lang="en-US" dirty="0"/>
               <a:t> boundaries</a:t>
             </a:r>
           </a:p>
           <a:p>
             <a:r>
-              <a:rPr lang="en-US" dirty="0" smtClean="0"/>
+              <a:rPr lang="en-US" dirty="0"/>
               <a:t>Differential evolution </a:t>
             </a:r>
             <a:r>
-              <a:rPr lang="en-IL" dirty="0" smtClean="0"/>
+              <a:rPr lang="en-IL" dirty="0"/>
               <a:t>–</a:t>
             </a:r>
             <a:r>
-              <a:rPr lang="en-US" dirty="0" smtClean="0"/>
+              <a:rPr lang="en-US" dirty="0"/>
               <a:t> look for a solution minimizing error vs measurements</a:t>
             </a:r>
           </a:p>
@@ -13654,7 +14455,7 @@
             <a:endParaRPr lang="en-US" dirty="0"/>
           </a:p>
           <a:p>
-            <a:endParaRPr lang="en-US" dirty="0" smtClean="0"/>
+            <a:endParaRPr lang="en-US" dirty="0"/>
           </a:p>
           <a:p>
             <a:endParaRPr lang="en-US" dirty="0"/>
@@ -13733,26 +14534,25 @@
           <a:lstStyle/>
           <a:p>
             <a:r>
-              <a:rPr lang="en-US" dirty="0" smtClean="0"/>
+              <a:rPr lang="en-US" dirty="0"/>
               <a:t>Most </a:t>
             </a:r>
             <a:r>
-              <a:rPr lang="en-US" dirty="0" err="1" smtClean="0"/>
+              <a:rPr lang="en-US" dirty="0" err="1"/>
               <a:t>monte</a:t>
             </a:r>
             <a:r>
-              <a:rPr lang="en-US" dirty="0" smtClean="0"/>
+              <a:rPr lang="en-US" dirty="0"/>
               <a:t> </a:t>
             </a:r>
             <a:r>
-              <a:rPr lang="en-US" dirty="0" err="1" smtClean="0"/>
+              <a:rPr lang="en-US" dirty="0" err="1"/>
               <a:t>carlo</a:t>
             </a:r>
             <a:r>
-              <a:rPr lang="en-US" dirty="0" smtClean="0"/>
+              <a:rPr lang="en-US" dirty="0"/>
               <a:t> runs end with system collapse</a:t>
             </a:r>
-            <a:endParaRPr lang="en-US" dirty="0"/>
           </a:p>
         </p:txBody>
       </p:sp>
@@ -13827,10 +14627,9 @@
                     <a:lstStyle/>
                     <a:p>
                       <a:r>
-                        <a:rPr lang="en-US" dirty="0" smtClean="0"/>
+                        <a:rPr lang="en-US" dirty="0"/>
                         <a:t>Category</a:t>
                       </a:r>
-                      <a:endParaRPr lang="en-US" dirty="0"/>
                     </a:p>
                   </a:txBody>
                   <a:tcPr/>
@@ -13841,10 +14640,9 @@
                     <a:lstStyle/>
                     <a:p>
                       <a:r>
-                        <a:rPr lang="en-US" dirty="0" smtClean="0"/>
+                        <a:rPr lang="en-US" dirty="0"/>
                         <a:t>Simulations</a:t>
                       </a:r>
-                      <a:endParaRPr lang="en-US" dirty="0"/>
                     </a:p>
                   </a:txBody>
                   <a:tcPr/>
@@ -13862,10 +14660,9 @@
                     <a:lstStyle/>
                     <a:p>
                       <a:r>
-                        <a:rPr lang="en-US" dirty="0" smtClean="0"/>
+                        <a:rPr lang="en-US" dirty="0"/>
                         <a:t>Negative values in results</a:t>
                       </a:r>
-                      <a:endParaRPr lang="en-US" dirty="0"/>
                     </a:p>
                   </a:txBody>
                   <a:tcPr/>
@@ -13876,7 +14673,7 @@
                     <a:lstStyle/>
                     <a:p>
                       <a:r>
-                        <a:rPr lang="en-IL" dirty="0" smtClean="0"/>
+                        <a:rPr lang="en-IL" dirty="0"/>
                         <a:t>8539</a:t>
                       </a:r>
                       <a:endParaRPr lang="en-US" dirty="0"/>
@@ -13897,16 +14694,15 @@
                     <a:lstStyle/>
                     <a:p>
                       <a:r>
-                        <a:rPr lang="en-US" dirty="0" smtClean="0"/>
+                        <a:rPr lang="en-US" dirty="0"/>
                         <a:t>System collapse </a:t>
                       </a:r>
                     </a:p>
                     <a:p>
                       <a:r>
-                        <a:rPr lang="en-US" dirty="0" smtClean="0"/>
+                        <a:rPr lang="en-US" dirty="0"/>
                         <a:t>(both biomass &lt; 0.1umol N/L from day 5)</a:t>
                       </a:r>
-                      <a:endParaRPr lang="en-US" dirty="0"/>
                     </a:p>
                   </a:txBody>
                   <a:tcPr/>
@@ -13917,7 +14713,7 @@
                     <a:lstStyle/>
                     <a:p>
                       <a:r>
-                        <a:rPr lang="en-IL" dirty="0" smtClean="0"/>
+                        <a:rPr lang="en-IL" dirty="0"/>
                         <a:t>60590</a:t>
                       </a:r>
                       <a:endParaRPr lang="en-US" dirty="0"/>
@@ -13938,11 +14734,11 @@
                     <a:lstStyle/>
                     <a:p>
                       <a:r>
-                        <a:rPr lang="en-US" dirty="0" smtClean="0"/>
+                        <a:rPr lang="en-US" dirty="0"/>
                         <a:t>Valid</a:t>
                       </a:r>
                       <a:r>
-                        <a:rPr lang="en-US" baseline="0" dirty="0" smtClean="0"/>
+                        <a:rPr lang="en-US" baseline="0" dirty="0"/>
                         <a:t> simulations</a:t>
                       </a:r>
                       <a:endParaRPr lang="en-US" dirty="0"/>
@@ -13956,7 +14752,7 @@
                     <a:lstStyle/>
                     <a:p>
                       <a:r>
-                        <a:rPr lang="en-IL" dirty="0" smtClean="0"/>
+                        <a:rPr lang="en-IL" dirty="0"/>
                         <a:t>43341</a:t>
                       </a:r>
                       <a:endParaRPr lang="en-US" dirty="0"/>
@@ -13977,10 +14773,9 @@
                     <a:lstStyle/>
                     <a:p>
                       <a:r>
-                        <a:rPr lang="en-US" dirty="0" smtClean="0"/>
+                        <a:rPr lang="en-US" dirty="0"/>
                         <a:t>Total</a:t>
                       </a:r>
-                      <a:endParaRPr lang="en-US" dirty="0"/>
                     </a:p>
                   </a:txBody>
                   <a:tcPr/>
@@ -13991,7 +14786,7 @@
                     <a:lstStyle/>
                     <a:p>
                       <a:r>
-                        <a:rPr lang="en-IL" dirty="0" smtClean="0"/>
+                        <a:rPr lang="en-IL" dirty="0"/>
                         <a:t>112470</a:t>
                       </a:r>
                       <a:endParaRPr lang="en-US" dirty="0"/>
@@ -14032,18 +14827,17 @@
           <a:lstStyle/>
           <a:p>
             <a:r>
-              <a:rPr lang="en-US" dirty="0" smtClean="0"/>
+              <a:rPr lang="en-US" dirty="0"/>
               <a:t>Last day in which either biomass  &gt; 0.1 </a:t>
             </a:r>
             <a:r>
-              <a:rPr lang="en-US" dirty="0" err="1" smtClean="0"/>
+              <a:rPr lang="en-US" dirty="0" err="1"/>
               <a:t>umol</a:t>
             </a:r>
             <a:r>
-              <a:rPr lang="en-US" dirty="0" smtClean="0"/>
+              <a:rPr lang="en-US" dirty="0"/>
               <a:t>/L</a:t>
             </a:r>
-            <a:endParaRPr lang="en-US" dirty="0"/>
           </a:p>
         </p:txBody>
       </p:sp>
@@ -14070,10 +14864,9 @@
           <a:lstStyle/>
           <a:p>
             <a:r>
-              <a:rPr lang="en-US" dirty="0" smtClean="0"/>
+              <a:rPr lang="en-US" dirty="0"/>
               <a:t>Number of simulations</a:t>
             </a:r>
-            <a:endParaRPr lang="en-US" dirty="0"/>
           </a:p>
         </p:txBody>
       </p:sp>
@@ -14123,10 +14916,9 @@
           <a:lstStyle/>
           <a:p>
             <a:r>
-              <a:rPr lang="en-US" dirty="0" smtClean="0"/>
+              <a:rPr lang="en-US" dirty="0"/>
               <a:t>UMAP (only viable simulations)</a:t>
             </a:r>
-            <a:endParaRPr lang="en-US" dirty="0"/>
           </a:p>
         </p:txBody>
       </p:sp>
@@ -14201,10 +14993,9 @@
           <a:lstStyle/>
           <a:p>
             <a:r>
-              <a:rPr lang="en-US" dirty="0" smtClean="0"/>
+              <a:rPr lang="en-US" dirty="0"/>
               <a:t>Colored by simulation type</a:t>
             </a:r>
-            <a:endParaRPr lang="en-US" dirty="0"/>
           </a:p>
         </p:txBody>
       </p:sp>
@@ -14231,18 +15022,17 @@
           <a:lstStyle/>
           <a:p>
             <a:r>
-              <a:rPr lang="en-US" dirty="0" smtClean="0"/>
+              <a:rPr lang="en-US" dirty="0"/>
               <a:t>Colored by log(error) </a:t>
             </a:r>
             <a:r>
-              <a:rPr lang="en-IL" dirty="0" smtClean="0"/>
+              <a:rPr lang="en-IL" dirty="0"/>
               <a:t>–</a:t>
             </a:r>
             <a:r>
-              <a:rPr lang="en-US" dirty="0" smtClean="0"/>
+              <a:rPr lang="en-US" dirty="0"/>
               <a:t> darker is lower error</a:t>
             </a:r>
-            <a:endParaRPr lang="en-US" dirty="0"/>
           </a:p>
         </p:txBody>
       </p:sp>
@@ -14323,10 +15113,9 @@
           <a:lstStyle/>
           <a:p>
             <a:r>
-              <a:rPr lang="en-US" dirty="0" smtClean="0"/>
+              <a:rPr lang="en-US" dirty="0"/>
               <a:t>Clustering</a:t>
             </a:r>
-            <a:endParaRPr lang="en-US" dirty="0"/>
           </a:p>
         </p:txBody>
       </p:sp>
@@ -15010,6 +15799,21 @@
 </file>
 
 <file path=customXml/item1.xml><?xml version="1.0" encoding="utf-8"?>
+<p:properties xmlns:p="http://schemas.microsoft.com/office/2006/metadata/properties" xmlns:xsi="http://www.w3.org/2001/XMLSchema-instance" xmlns:pc="http://schemas.microsoft.com/office/infopath/2007/PartnerControls">
+  <documentManagement/>
+</p:properties>
+</file>
+
+<file path=customXml/item2.xml><?xml version="1.0" encoding="utf-8"?>
+<?mso-contentType ?>
+<FormTemplates xmlns="http://schemas.microsoft.com/sharepoint/v3/contenttype/forms">
+  <Display>DocumentLibraryForm</Display>
+  <Edit>DocumentLibraryForm</Edit>
+  <New>DocumentLibraryForm</New>
+</FormTemplates>
+</file>
+
+<file path=customXml/item3.xml><?xml version="1.0" encoding="utf-8"?>
 <ct:contentTypeSchema xmlns:ct="http://schemas.microsoft.com/office/2006/metadata/contentType" xmlns:ma="http://schemas.microsoft.com/office/2006/metadata/properties/metaAttributes" ct:_="" ma:_="" ma:contentTypeName="Document" ma:contentTypeID="0x010100134189E1B07CC54A82B6033FABB5B6DF" ma:contentTypeVersion="9" ma:contentTypeDescription="Create a new document." ma:contentTypeScope="" ma:versionID="9724e0ffefe440afb63c797c52973dad">
   <xsd:schema xmlns:xsd="http://www.w3.org/2001/XMLSchema" xmlns:xs="http://www.w3.org/2001/XMLSchema" xmlns:p="http://schemas.microsoft.com/office/2006/metadata/properties" xmlns:ns3="56876add-4740-45d6-ae34-1b49df06ef21" targetNamespace="http://schemas.microsoft.com/office/2006/metadata/properties" ma:root="true" ma:fieldsID="4c736c387013867b3b209355b7a86f6b" ns3:_="">
     <xsd:import namespace="56876add-4740-45d6-ae34-1b49df06ef21"/>
@@ -15187,22 +15991,31 @@
 </ct:contentTypeSchema>
 </file>
 
-<file path=customXml/item2.xml><?xml version="1.0" encoding="utf-8"?>
-<?mso-contentType ?>
-<FormTemplates xmlns="http://schemas.microsoft.com/sharepoint/v3/contenttype/forms">
-  <Display>DocumentLibraryForm</Display>
-  <Edit>DocumentLibraryForm</Edit>
-  <New>DocumentLibraryForm</New>
-</FormTemplates>
+<file path=customXml/itemProps1.xml><?xml version="1.0" encoding="utf-8"?>
+<ds:datastoreItem xmlns:ds="http://schemas.openxmlformats.org/officeDocument/2006/customXml" ds:itemID="{974E1C30-FBFD-4F2F-A0B0-F9CC381E22A0}">
+  <ds:schemaRefs>
+    <ds:schemaRef ds:uri="http://purl.org/dc/elements/1.1/"/>
+    <ds:schemaRef ds:uri="http://schemas.microsoft.com/office/2006/documentManagement/types"/>
+    <ds:schemaRef ds:uri="http://schemas.openxmlformats.org/package/2006/metadata/core-properties"/>
+    <ds:schemaRef ds:uri="http://purl.org/dc/dcmitype/"/>
+    <ds:schemaRef ds:uri="http://schemas.microsoft.com/office/infopath/2007/PartnerControls"/>
+    <ds:schemaRef ds:uri="56876add-4740-45d6-ae34-1b49df06ef21"/>
+    <ds:schemaRef ds:uri="http://www.w3.org/XML/1998/namespace"/>
+    <ds:schemaRef ds:uri="http://schemas.microsoft.com/office/2006/metadata/properties"/>
+    <ds:schemaRef ds:uri="http://purl.org/dc/terms/"/>
+  </ds:schemaRefs>
+</ds:datastoreItem>
 </file>
 
-<file path=customXml/item3.xml><?xml version="1.0" encoding="utf-8"?>
-<p:properties xmlns:p="http://schemas.microsoft.com/office/2006/metadata/properties" xmlns:xsi="http://www.w3.org/2001/XMLSchema-instance" xmlns:pc="http://schemas.microsoft.com/office/infopath/2007/PartnerControls">
-  <documentManagement/>
-</p:properties>
+<file path=customXml/itemProps2.xml><?xml version="1.0" encoding="utf-8"?>
+<ds:datastoreItem xmlns:ds="http://schemas.openxmlformats.org/officeDocument/2006/customXml" ds:itemID="{30EDE301-BEB6-49BE-9C52-D263A6EB5662}">
+  <ds:schemaRefs>
+    <ds:schemaRef ds:uri="http://schemas.microsoft.com/sharepoint/v3/contenttype/forms"/>
+  </ds:schemaRefs>
+</ds:datastoreItem>
 </file>
 
-<file path=customXml/itemProps1.xml><?xml version="1.0" encoding="utf-8"?>
+<file path=customXml/itemProps3.xml><?xml version="1.0" encoding="utf-8"?>
 <ds:datastoreItem xmlns:ds="http://schemas.openxmlformats.org/officeDocument/2006/customXml" ds:itemID="{C2E896C4-8C2B-409F-9623-F46F1D31D4AF}">
   <ds:schemaRefs>
     <ds:schemaRef ds:uri="http://schemas.microsoft.com/office/2006/metadata/contentType"/>
@@ -15218,28 +16031,4 @@
     <ds:schemaRef ds:uri="http://schemas.microsoft.com/internal/obd"/>
   </ds:schemaRefs>
 </ds:datastoreItem>
-</file>
-
-<file path=customXml/itemProps2.xml><?xml version="1.0" encoding="utf-8"?>
-<ds:datastoreItem xmlns:ds="http://schemas.openxmlformats.org/officeDocument/2006/customXml" ds:itemID="{30EDE301-BEB6-49BE-9C52-D263A6EB5662}">
-  <ds:schemaRefs>
-    <ds:schemaRef ds:uri="http://schemas.microsoft.com/sharepoint/v3/contenttype/forms"/>
-  </ds:schemaRefs>
-</ds:datastoreItem>
-</file>
-
-<file path=customXml/itemProps3.xml><?xml version="1.0" encoding="utf-8"?>
-<ds:datastoreItem xmlns:ds="http://schemas.openxmlformats.org/officeDocument/2006/customXml" ds:itemID="{974E1C30-FBFD-4F2F-A0B0-F9CC381E22A0}">
-  <ds:schemaRefs>
-    <ds:schemaRef ds:uri="http://purl.org/dc/elements/1.1/"/>
-    <ds:schemaRef ds:uri="http://schemas.microsoft.com/office/2006/documentManagement/types"/>
-    <ds:schemaRef ds:uri="http://schemas.openxmlformats.org/package/2006/metadata/core-properties"/>
-    <ds:schemaRef ds:uri="http://purl.org/dc/dcmitype/"/>
-    <ds:schemaRef ds:uri="http://schemas.microsoft.com/office/infopath/2007/PartnerControls"/>
-    <ds:schemaRef ds:uri="56876add-4740-45d6-ae34-1b49df06ef21"/>
-    <ds:schemaRef ds:uri="http://www.w3.org/XML/1998/namespace"/>
-    <ds:schemaRef ds:uri="http://schemas.microsoft.com/office/2006/metadata/properties"/>
-    <ds:schemaRef ds:uri="http://purl.org/dc/terms/"/>
-  </ds:schemaRefs>
-</ds:datastoreItem>
 </file>